--- a/02-practical/exercises/14-naming-3_4.pptx
+++ b/02-practical/exercises/14-naming-3_4.pptx
@@ -452,7 +452,7 @@
                 <a:ea typeface="游ゴシック Light" panose="020B0300000000000000" pitchFamily="50" charset="-128"/>
                 <a:cs typeface="+mj-cs"/>
               </a:rPr>
-              <a:t>適切な名前に変更しよう</a:t>
+              <a:t>適切な名前を付けよう</a:t>
             </a:r>
             <a:endParaRPr lang="ja-JP" altLang="en-US" sz="1400" dirty="0"/>
           </a:p>
@@ -723,19 +723,21 @@
       </p:sp>
       <p:sp>
         <p:nvSpPr>
-          <p:cNvPr id="6" name="正方形/長方形 5">
+          <p:cNvPr id="2" name="正方形/長方形 1">
             <a:extLst>
               <a:ext uri="{FF2B5EF4-FFF2-40B4-BE49-F238E27FC236}">
-                <a16:creationId xmlns:a16="http://schemas.microsoft.com/office/drawing/2014/main" id="{4546FE78-1C3B-3BAB-AD4D-D862682A2D91}"/>
+                <a16:creationId xmlns:a16="http://schemas.microsoft.com/office/drawing/2014/main" id="{5F469539-5B0D-9399-0FB6-65BD26EDAAE3}"/>
               </a:ext>
             </a:extLst>
           </p:cNvPr>
-          <p:cNvSpPr/>
+          <p:cNvSpPr>
+            <a:spLocks/>
+          </p:cNvSpPr>
           <p:nvPr userDrawn="1"/>
         </p:nvSpPr>
         <p:spPr>
           <a:xfrm>
-            <a:off x="943276" y="1688347"/>
+            <a:off x="7189535" y="1688347"/>
             <a:ext cx="4504624" cy="914400"/>
           </a:xfrm>
           <a:prstGeom prst="rect">
@@ -762,48 +764,99 @@
           <a:p>
             <a:pPr algn="l"/>
             <a:r>
-              <a:rPr kumimoji="1" lang="es-ES" altLang="ja-JP" sz="1200" dirty="0">
+              <a:rPr kumimoji="1" lang="en-US" altLang="ja-JP" sz="1200" dirty="0" err="1">
+                <a:solidFill>
+                  <a:srgbClr val="C00000"/>
+                </a:solidFill>
                 <a:latin typeface="Consolas" panose="020B0609020204030204" pitchFamily="49" charset="0"/>
               </a:rPr>
-              <a:t>auto x = 5; // </a:t>
-            </a:r>
-            <a:r>
-              <a:rPr kumimoji="1" lang="ja-JP" altLang="en-US" sz="1200" dirty="0">
+              <a:t>fetchTemperature</a:t>
+            </a:r>
+            <a:r>
+              <a:rPr kumimoji="1" lang="en-US" altLang="ja-JP" sz="1200" dirty="0">
+                <a:solidFill>
+                  <a:srgbClr val="C00000"/>
+                </a:solidFill>
                 <a:latin typeface="Consolas" panose="020B0609020204030204" pitchFamily="49" charset="0"/>
               </a:rPr>
-              <a:t>長方形の幅</a:t>
-            </a:r>
-            <a:endParaRPr kumimoji="1" lang="es-ES" altLang="ja-JP" sz="1200" dirty="0">
+              <a:t>() / </a:t>
+            </a:r>
+            <a:r>
+              <a:rPr kumimoji="1" lang="en-US" altLang="ja-JP" sz="1200" dirty="0" err="1">
+                <a:solidFill>
+                  <a:srgbClr val="C00000"/>
+                </a:solidFill>
+                <a:latin typeface="Consolas" panose="020B0609020204030204" pitchFamily="49" charset="0"/>
+              </a:rPr>
+              <a:t>readTemperature</a:t>
+            </a:r>
+            <a:endParaRPr kumimoji="1" lang="en-US" altLang="ja-JP" sz="1200" dirty="0">
+              <a:solidFill>
+                <a:srgbClr val="C00000"/>
+              </a:solidFill>
               <a:latin typeface="Consolas" panose="020B0609020204030204" pitchFamily="49" charset="0"/>
             </a:endParaRPr>
           </a:p>
           <a:p>
             <a:pPr algn="l"/>
-            <a:r>
-              <a:rPr kumimoji="1" lang="es-ES" altLang="ja-JP" sz="1200" dirty="0">
-                <a:latin typeface="Consolas" panose="020B0609020204030204" pitchFamily="49" charset="0"/>
-              </a:rPr>
-              <a:t>auto y = 10; // </a:t>
-            </a:r>
-            <a:r>
-              <a:rPr kumimoji="1" lang="ja-JP" altLang="en-US" sz="1200" dirty="0">
-                <a:latin typeface="Consolas" panose="020B0609020204030204" pitchFamily="49" charset="0"/>
-              </a:rPr>
-              <a:t>長方形の高さ</a:t>
-            </a:r>
-            <a:endParaRPr kumimoji="1" lang="es-ES" altLang="ja-JP" sz="1200" dirty="0">
+            <a:endParaRPr kumimoji="1" lang="en-US" altLang="ja-JP" sz="1200" dirty="0">
+              <a:solidFill>
+                <a:srgbClr val="C00000"/>
+              </a:solidFill>
               <a:latin typeface="Consolas" panose="020B0609020204030204" pitchFamily="49" charset="0"/>
             </a:endParaRPr>
           </a:p>
           <a:p>
             <a:pPr algn="l"/>
             <a:r>
-              <a:rPr kumimoji="1" lang="es-ES" altLang="ja-JP" sz="1200" dirty="0">
+              <a:rPr kumimoji="1" lang="ja-JP" altLang="en-US" sz="1200" dirty="0">
+                <a:solidFill>
+                  <a:srgbClr val="C00000"/>
+                </a:solidFill>
                 <a:latin typeface="Consolas" panose="020B0609020204030204" pitchFamily="49" charset="0"/>
               </a:rPr>
-              <a:t>auto z = x * y;</a:t>
+              <a:t>✕</a:t>
+            </a:r>
+            <a:r>
+              <a:rPr kumimoji="1" lang="en-US" altLang="ja-JP" sz="1200" dirty="0" err="1">
+                <a:solidFill>
+                  <a:srgbClr val="C00000"/>
+                </a:solidFill>
+                <a:latin typeface="Consolas" panose="020B0609020204030204" pitchFamily="49" charset="0"/>
+              </a:rPr>
+              <a:t>getTemperature</a:t>
+            </a:r>
+            <a:r>
+              <a:rPr kumimoji="1" lang="en-US" altLang="ja-JP" sz="1200" dirty="0">
+                <a:solidFill>
+                  <a:srgbClr val="C00000"/>
+                </a:solidFill>
+                <a:latin typeface="Consolas" panose="020B0609020204030204" pitchFamily="49" charset="0"/>
+              </a:rPr>
+              <a:t>(), </a:t>
+            </a:r>
+            <a:r>
+              <a:rPr kumimoji="1" lang="en-US" altLang="ja-JP" sz="1200" dirty="0" err="1">
+                <a:solidFill>
+                  <a:srgbClr val="C00000"/>
+                </a:solidFill>
+                <a:latin typeface="Consolas" panose="020B0609020204030204" pitchFamily="49" charset="0"/>
+              </a:rPr>
+              <a:t>tempGet</a:t>
+            </a:r>
+            <a:r>
+              <a:rPr kumimoji="1" lang="en-US" altLang="ja-JP" sz="1200" dirty="0">
+                <a:solidFill>
+                  <a:srgbClr val="C00000"/>
+                </a:solidFill>
+                <a:latin typeface="Consolas" panose="020B0609020204030204" pitchFamily="49" charset="0"/>
+              </a:rPr>
+              <a:t>()</a:t>
             </a:r>
             <a:endParaRPr kumimoji="1" lang="ja-JP" altLang="en-US" sz="1200" dirty="0">
+              <a:solidFill>
+                <a:srgbClr val="C00000"/>
+              </a:solidFill>
               <a:latin typeface="Consolas" panose="020B0609020204030204" pitchFamily="49" charset="0"/>
             </a:endParaRPr>
           </a:p>
@@ -811,19 +864,21 @@
       </p:sp>
       <p:sp>
         <p:nvSpPr>
-          <p:cNvPr id="7" name="正方形/長方形 6">
+          <p:cNvPr id="4" name="正方形/長方形 3">
             <a:extLst>
               <a:ext uri="{FF2B5EF4-FFF2-40B4-BE49-F238E27FC236}">
-                <a16:creationId xmlns:a16="http://schemas.microsoft.com/office/drawing/2014/main" id="{DB9A2994-DDFA-F893-1F7B-C11E5C340D5A}"/>
+                <a16:creationId xmlns:a16="http://schemas.microsoft.com/office/drawing/2014/main" id="{6D7CA885-ACB0-433C-9C44-D592B0D200D4}"/>
               </a:ext>
             </a:extLst>
           </p:cNvPr>
-          <p:cNvSpPr/>
+          <p:cNvSpPr>
+            <a:spLocks/>
+          </p:cNvSpPr>
           <p:nvPr userDrawn="1"/>
         </p:nvSpPr>
         <p:spPr>
           <a:xfrm>
-            <a:off x="943276" y="2602747"/>
+            <a:off x="7189535" y="2602747"/>
             <a:ext cx="4504624" cy="914400"/>
           </a:xfrm>
           <a:prstGeom prst="rect">
@@ -851,51 +906,47 @@
             <a:pPr algn="l"/>
             <a:r>
               <a:rPr kumimoji="1" lang="es-ES" altLang="ja-JP" sz="1200" dirty="0">
+                <a:solidFill>
+                  <a:srgbClr val="C00000"/>
+                </a:solidFill>
                 <a:latin typeface="Consolas" panose="020B0609020204030204" pitchFamily="49" charset="0"/>
               </a:rPr>
-              <a:t>nameOfEmployee = "John"s;</a:t>
+              <a:t>motorSpeedInRpm</a:t>
             </a:r>
           </a:p>
           <a:p>
             <a:pPr algn="l"/>
-            <a:r>
-              <a:rPr kumimoji="1" lang="es-ES" altLang="ja-JP" sz="1200" dirty="0">
-                <a:latin typeface="Consolas" panose="020B0609020204030204" pitchFamily="49" charset="0"/>
-              </a:rPr>
-              <a:t>idDepartment = 42;</a:t>
-            </a:r>
+            <a:endParaRPr kumimoji="1" lang="es-ES" altLang="ja-JP" sz="1200" dirty="0">
+              <a:solidFill>
+                <a:srgbClr val="C00000"/>
+              </a:solidFill>
+              <a:latin typeface="Consolas" panose="020B0609020204030204" pitchFamily="49" charset="0"/>
+            </a:endParaRPr>
           </a:p>
           <a:p>
-            <a:pPr marL="0" marR="0" lvl="0" indent="0" algn="l" defTabSz="914400" rtl="0" eaLnBrk="1" fontAlgn="auto" latinLnBrk="0" hangingPunct="1">
-              <a:lnSpc>
-                <a:spcPct val="100000"/>
-              </a:lnSpc>
-              <a:spcBef>
-                <a:spcPts val="0"/>
-              </a:spcBef>
-              <a:spcAft>
-                <a:spcPts val="0"/>
-              </a:spcAft>
-              <a:buClrTx/>
-              <a:buSzTx/>
-              <a:buFontTx/>
-              <a:buNone/>
-              <a:tabLst/>
-              <a:defRPr/>
-            </a:pPr>
-            <a:r>
-              <a:rPr lang="es-ES" altLang="ja-JP" sz="1200" dirty="0">
+            <a:pPr algn="l"/>
+            <a:r>
+              <a:rPr kumimoji="1" lang="ja-JP" altLang="en-US" sz="1200" dirty="0">
+                <a:solidFill>
+                  <a:srgbClr val="C00000"/>
+                </a:solidFill>
                 <a:latin typeface="Consolas" panose="020B0609020204030204" pitchFamily="49" charset="0"/>
               </a:rPr>
-              <a:t>isNotDisabled = false; // </a:t>
-            </a:r>
-            <a:r>
-              <a:rPr lang="ja-JP" altLang="en-US" sz="1200" dirty="0">
+              <a:t>△</a:t>
+            </a:r>
+            <a:r>
+              <a:rPr kumimoji="1" lang="en-US" altLang="ja-JP" sz="1200" dirty="0" err="1">
+                <a:solidFill>
+                  <a:srgbClr val="C00000"/>
+                </a:solidFill>
                 <a:latin typeface="Consolas" panose="020B0609020204030204" pitchFamily="49" charset="0"/>
               </a:rPr>
-              <a:t>値の変化にも注意</a:t>
+              <a:t>motorSpeed</a:t>
             </a:r>
             <a:endParaRPr kumimoji="1" lang="es-ES" altLang="ja-JP" sz="1200" dirty="0">
+              <a:solidFill>
+                <a:srgbClr val="C00000"/>
+              </a:solidFill>
               <a:latin typeface="Consolas" panose="020B0609020204030204" pitchFamily="49" charset="0"/>
             </a:endParaRPr>
           </a:p>
@@ -903,19 +954,21 @@
       </p:sp>
       <p:sp>
         <p:nvSpPr>
-          <p:cNvPr id="8" name="正方形/長方形 7">
+          <p:cNvPr id="5" name="正方形/長方形 4">
             <a:extLst>
               <a:ext uri="{FF2B5EF4-FFF2-40B4-BE49-F238E27FC236}">
-                <a16:creationId xmlns:a16="http://schemas.microsoft.com/office/drawing/2014/main" id="{1382349A-80F9-9FE4-07B8-BC183728EBD1}"/>
+                <a16:creationId xmlns:a16="http://schemas.microsoft.com/office/drawing/2014/main" id="{1079BDCD-A45A-9B0C-8D37-DB14DD54E082}"/>
               </a:ext>
             </a:extLst>
           </p:cNvPr>
-          <p:cNvSpPr/>
+          <p:cNvSpPr>
+            <a:spLocks/>
+          </p:cNvSpPr>
           <p:nvPr userDrawn="1"/>
         </p:nvSpPr>
         <p:spPr>
           <a:xfrm>
-            <a:off x="943274" y="3517146"/>
+            <a:off x="7189533" y="3517146"/>
             <a:ext cx="4504625" cy="1087655"/>
           </a:xfrm>
           <a:prstGeom prst="rect">
@@ -942,117 +995,44 @@
           <a:p>
             <a:pPr algn="l"/>
             <a:r>
+              <a:rPr kumimoji="1" lang="en-US" altLang="ja-JP" sz="1200" dirty="0" err="1">
+                <a:solidFill>
+                  <a:srgbClr val="C00000"/>
+                </a:solidFill>
+                <a:latin typeface="Consolas" panose="020B0609020204030204" pitchFamily="49" charset="0"/>
+              </a:rPr>
+              <a:t>resetWatchDogTimer</a:t>
+            </a:r>
+            <a:r>
               <a:rPr kumimoji="1" lang="en-US" altLang="ja-JP" sz="1200" dirty="0">
+                <a:solidFill>
+                  <a:srgbClr val="C00000"/>
+                </a:solidFill>
                 <a:latin typeface="Consolas" panose="020B0609020204030204" pitchFamily="49" charset="0"/>
               </a:rPr>
-              <a:t>void </a:t>
-            </a:r>
-            <a:r>
-              <a:rPr kumimoji="1" lang="en-US" altLang="ja-JP" sz="1200" dirty="0" err="1">
-                <a:latin typeface="Consolas" panose="020B0609020204030204" pitchFamily="49" charset="0"/>
-              </a:rPr>
-              <a:t>streamedDataParsing</a:t>
-            </a:r>
-            <a:r>
-              <a:rPr kumimoji="1" lang="en-US" altLang="ja-JP" sz="1200" dirty="0">
-                <a:latin typeface="Consolas" panose="020B0609020204030204" pitchFamily="49" charset="0"/>
-              </a:rPr>
-              <a:t>() {…}</a:t>
-            </a:r>
-          </a:p>
-          <a:p>
-            <a:pPr algn="l"/>
-            <a:r>
-              <a:rPr kumimoji="1" lang="en-US" altLang="ja-JP" sz="1200" dirty="0">
-                <a:latin typeface="Consolas" panose="020B0609020204030204" pitchFamily="49" charset="0"/>
-              </a:rPr>
-              <a:t>bool </a:t>
-            </a:r>
-            <a:r>
-              <a:rPr kumimoji="1" lang="en-US" altLang="ja-JP" sz="1200" dirty="0" err="1">
-                <a:latin typeface="Consolas" panose="020B0609020204030204" pitchFamily="49" charset="0"/>
-              </a:rPr>
-              <a:t>userInformationCheck</a:t>
-            </a:r>
-            <a:r>
-              <a:rPr kumimoji="1" lang="en-US" altLang="ja-JP" sz="1200" dirty="0">
-                <a:latin typeface="Consolas" panose="020B0609020204030204" pitchFamily="49" charset="0"/>
-              </a:rPr>
-              <a:t>() {…}</a:t>
-            </a:r>
-          </a:p>
-          <a:p>
-            <a:pPr algn="l"/>
-            <a:r>
-              <a:rPr kumimoji="1" lang="en-US" altLang="ja-JP" sz="1200" dirty="0">
-                <a:latin typeface="Consolas" panose="020B0609020204030204" pitchFamily="49" charset="0"/>
-              </a:rPr>
-              <a:t>void </a:t>
-            </a:r>
-            <a:r>
-              <a:rPr kumimoji="1" lang="en-US" altLang="ja-JP" sz="1200" dirty="0" err="1">
-                <a:latin typeface="Consolas" panose="020B0609020204030204" pitchFamily="49" charset="0"/>
-              </a:rPr>
-              <a:t>showEffectIfIsLoading</a:t>
-            </a:r>
-            <a:r>
-              <a:rPr kumimoji="1" lang="en-US" altLang="ja-JP" sz="1200" dirty="0">
-                <a:latin typeface="Consolas" panose="020B0609020204030204" pitchFamily="49" charset="0"/>
-              </a:rPr>
-              <a:t>(bool </a:t>
-            </a:r>
-            <a:r>
-              <a:rPr kumimoji="1" lang="en-US" altLang="ja-JP" sz="1200" dirty="0" err="1">
-                <a:latin typeface="Consolas" panose="020B0609020204030204" pitchFamily="49" charset="0"/>
-              </a:rPr>
-              <a:t>isLoading</a:t>
-            </a:r>
-            <a:r>
-              <a:rPr kumimoji="1" lang="en-US" altLang="ja-JP" sz="1200" dirty="0">
-                <a:latin typeface="Consolas" panose="020B0609020204030204" pitchFamily="49" charset="0"/>
-              </a:rPr>
-              <a:t>) {…}</a:t>
-            </a:r>
-          </a:p>
-          <a:p>
-            <a:pPr algn="l"/>
-            <a:r>
-              <a:rPr kumimoji="1" lang="en-US" altLang="ja-JP" sz="1200" dirty="0">
-                <a:latin typeface="Consolas" panose="020B0609020204030204" pitchFamily="49" charset="0"/>
-              </a:rPr>
-              <a:t>void </a:t>
-            </a:r>
-            <a:r>
-              <a:rPr kumimoji="1" lang="en-US" altLang="ja-JP" sz="1200" dirty="0" err="1">
-                <a:latin typeface="Consolas" panose="020B0609020204030204" pitchFamily="49" charset="0"/>
-              </a:rPr>
-              <a:t>userRegist</a:t>
-            </a:r>
-            <a:r>
-              <a:rPr kumimoji="1" lang="en-US" altLang="ja-JP" sz="1200" dirty="0">
-                <a:latin typeface="Consolas" panose="020B0609020204030204" pitchFamily="49" charset="0"/>
-              </a:rPr>
-              <a:t>(User user) {…}</a:t>
+              <a:t>()</a:t>
             </a:r>
           </a:p>
         </p:txBody>
       </p:sp>
       <p:sp>
         <p:nvSpPr>
-          <p:cNvPr id="9" name="正方形/長方形 8">
+          <p:cNvPr id="17" name="正方形/長方形 16">
             <a:extLst>
               <a:ext uri="{FF2B5EF4-FFF2-40B4-BE49-F238E27FC236}">
-                <a16:creationId xmlns:a16="http://schemas.microsoft.com/office/drawing/2014/main" id="{23A04EEA-5E08-961E-D050-7ADEB7581551}"/>
+                <a16:creationId xmlns:a16="http://schemas.microsoft.com/office/drawing/2014/main" id="{FAE9F024-60D4-855F-893D-697360642902}"/>
               </a:ext>
             </a:extLst>
           </p:cNvPr>
-          <p:cNvSpPr/>
+          <p:cNvSpPr>
+            <a:spLocks/>
+          </p:cNvSpPr>
           <p:nvPr userDrawn="1"/>
         </p:nvSpPr>
         <p:spPr>
           <a:xfrm>
-            <a:off x="943274" y="4604801"/>
-            <a:ext cx="4504626" cy="1771049"/>
+            <a:off x="7189533" y="4604801"/>
+            <a:ext cx="4504626" cy="914399"/>
           </a:xfrm>
           <a:prstGeom prst="rect">
             <a:avLst/>
@@ -1078,119 +1058,389 @@
           <a:p>
             <a:pPr algn="l"/>
             <a:r>
+              <a:rPr kumimoji="1" lang="en-US" altLang="ja-JP" sz="1200" dirty="0" err="1">
+                <a:solidFill>
+                  <a:srgbClr val="C00000"/>
+                </a:solidFill>
+                <a:latin typeface="Consolas" panose="020B0609020204030204" pitchFamily="49" charset="0"/>
+              </a:rPr>
+              <a:t>getIntegerValue</a:t>
+            </a:r>
+            <a:r>
               <a:rPr kumimoji="1" lang="en-US" altLang="ja-JP" sz="1200" dirty="0">
+                <a:solidFill>
+                  <a:srgbClr val="C00000"/>
+                </a:solidFill>
                 <a:latin typeface="Consolas" panose="020B0609020204030204" pitchFamily="49" charset="0"/>
               </a:rPr>
-              <a:t>double </a:t>
-            </a:r>
-            <a:r>
-              <a:rPr kumimoji="1" lang="en-US" altLang="ja-JP" sz="1200" dirty="0" err="1">
-                <a:latin typeface="Consolas" panose="020B0609020204030204" pitchFamily="49" charset="0"/>
-              </a:rPr>
-              <a:t>calc_area</a:t>
-            </a:r>
-            <a:r>
-              <a:rPr kumimoji="1" lang="en-US" altLang="ja-JP" sz="1200" dirty="0">
-                <a:latin typeface="Consolas" panose="020B0609020204030204" pitchFamily="49" charset="0"/>
-              </a:rPr>
-              <a:t>(double r) {</a:t>
-            </a:r>
-          </a:p>
-          <a:p>
-            <a:pPr algn="l"/>
-            <a:r>
-              <a:rPr kumimoji="1" lang="en-US" altLang="ja-JP" sz="1200" dirty="0">
-                <a:latin typeface="Consolas" panose="020B0609020204030204" pitchFamily="49" charset="0"/>
-              </a:rPr>
-              <a:t>    const double pi = 3.14;</a:t>
-            </a:r>
-          </a:p>
-          <a:p>
-            <a:pPr algn="l"/>
-            <a:r>
-              <a:rPr kumimoji="1" lang="en-US" altLang="ja-JP" sz="1200" dirty="0">
-                <a:latin typeface="Consolas" panose="020B0609020204030204" pitchFamily="49" charset="0"/>
-              </a:rPr>
-              <a:t>    auto a = pi * r * r;</a:t>
-            </a:r>
-          </a:p>
-          <a:p>
-            <a:pPr algn="l"/>
-            <a:r>
-              <a:rPr kumimoji="1" lang="en-US" altLang="ja-JP" sz="1200" dirty="0">
-                <a:latin typeface="Consolas" panose="020B0609020204030204" pitchFamily="49" charset="0"/>
-              </a:rPr>
-              <a:t>    return a;</a:t>
-            </a:r>
-          </a:p>
-          <a:p>
-            <a:pPr algn="l"/>
-            <a:r>
-              <a:rPr kumimoji="1" lang="en-US" altLang="ja-JP" sz="1200" dirty="0">
-                <a:latin typeface="Consolas" panose="020B0609020204030204" pitchFamily="49" charset="0"/>
-              </a:rPr>
-              <a:t>}</a:t>
-            </a:r>
-          </a:p>
-          <a:p>
-            <a:pPr algn="l"/>
-            <a:r>
-              <a:rPr kumimoji="1" lang="en-US" altLang="ja-JP" sz="1200" dirty="0">
-                <a:latin typeface="Consolas" panose="020B0609020204030204" pitchFamily="49" charset="0"/>
-              </a:rPr>
-              <a:t>x = 7;</a:t>
-            </a:r>
-          </a:p>
-          <a:p>
-            <a:pPr algn="l"/>
-            <a:r>
-              <a:rPr kumimoji="1" lang="en-US" altLang="ja-JP" sz="1200" dirty="0">
-                <a:latin typeface="Consolas" panose="020B0609020204030204" pitchFamily="49" charset="0"/>
-              </a:rPr>
-              <a:t>auto </a:t>
-            </a:r>
-            <a:r>
-              <a:rPr kumimoji="1" lang="en-US" altLang="ja-JP" sz="1200" dirty="0" err="1">
-                <a:latin typeface="Consolas" panose="020B0609020204030204" pitchFamily="49" charset="0"/>
-              </a:rPr>
-              <a:t>area_circle</a:t>
-            </a:r>
-            <a:r>
-              <a:rPr kumimoji="1" lang="en-US" altLang="ja-JP" sz="1200" dirty="0">
-                <a:latin typeface="Consolas" panose="020B0609020204030204" pitchFamily="49" charset="0"/>
-              </a:rPr>
-              <a:t> = </a:t>
-            </a:r>
-            <a:r>
-              <a:rPr kumimoji="1" lang="en-US" altLang="ja-JP" sz="1200" dirty="0" err="1">
-                <a:latin typeface="Consolas" panose="020B0609020204030204" pitchFamily="49" charset="0"/>
-              </a:rPr>
-              <a:t>calc_area</a:t>
-            </a:r>
-            <a:r>
-              <a:rPr kumimoji="1" lang="en-US" altLang="ja-JP" sz="1200" dirty="0">
-                <a:latin typeface="Consolas" panose="020B0609020204030204" pitchFamily="49" charset="0"/>
-              </a:rPr>
-              <a:t>(x);</a:t>
+              <a:t>()</a:t>
             </a:r>
           </a:p>
         </p:txBody>
       </p:sp>
       <p:sp>
         <p:nvSpPr>
-          <p:cNvPr id="10" name="正方形/長方形 9">
+          <p:cNvPr id="18" name="テキスト ボックス 17">
             <a:extLst>
               <a:ext uri="{FF2B5EF4-FFF2-40B4-BE49-F238E27FC236}">
-                <a16:creationId xmlns:a16="http://schemas.microsoft.com/office/drawing/2014/main" id="{BB236A1B-9347-E3A8-9E57-D2A037B121AB}"/>
+                <a16:creationId xmlns:a16="http://schemas.microsoft.com/office/drawing/2014/main" id="{0FB0DA4C-0FF7-31CC-E70F-40A06286B78C}"/>
               </a:ext>
             </a:extLst>
           </p:cNvPr>
-          <p:cNvSpPr/>
+          <p:cNvSpPr txBox="1">
+            <a:spLocks/>
+          </p:cNvSpPr>
           <p:nvPr userDrawn="1"/>
         </p:nvSpPr>
         <p:spPr>
           <a:xfrm>
-            <a:off x="5447901" y="1688347"/>
+            <a:off x="264692" y="1960881"/>
+            <a:ext cx="678582" cy="369332"/>
+          </a:xfrm>
+          <a:prstGeom prst="rect">
+            <a:avLst/>
+          </a:prstGeom>
+          <a:noFill/>
+        </p:spPr>
+        <p:txBody>
+          <a:bodyPr wrap="square">
+            <a:spAutoFit/>
+          </a:bodyPr>
+          <a:lstStyle/>
+          <a:p>
+            <a:pPr algn="l"/>
+            <a:r>
+              <a:rPr kumimoji="1" lang="ja-JP" altLang="en-US" sz="1800" b="1" dirty="0">
+                <a:solidFill>
+                  <a:srgbClr val="0070C0"/>
+                </a:solidFill>
+                <a:latin typeface="BIZ UDPゴシック" panose="020B0400000000000000" pitchFamily="50" charset="-128"/>
+                <a:ea typeface="BIZ UDPゴシック" panose="020B0400000000000000" pitchFamily="50" charset="-128"/>
+              </a:rPr>
+              <a:t>問</a:t>
+            </a:r>
+            <a:r>
+              <a:rPr kumimoji="1" lang="en-US" altLang="ja-JP" sz="1800" b="1" dirty="0">
+                <a:solidFill>
+                  <a:srgbClr val="0070C0"/>
+                </a:solidFill>
+                <a:latin typeface="BIZ UDPゴシック" panose="020B0400000000000000" pitchFamily="50" charset="-128"/>
+                <a:ea typeface="BIZ UDPゴシック" panose="020B0400000000000000" pitchFamily="50" charset="-128"/>
+              </a:rPr>
+              <a:t>1:</a:t>
+            </a:r>
+            <a:endParaRPr kumimoji="1" lang="es-ES" altLang="ja-JP" sz="1800" b="1" dirty="0">
+              <a:solidFill>
+                <a:srgbClr val="0070C0"/>
+              </a:solidFill>
+              <a:latin typeface="BIZ UDPゴシック" panose="020B0400000000000000" pitchFamily="50" charset="-128"/>
+              <a:ea typeface="BIZ UDPゴシック" panose="020B0400000000000000" pitchFamily="50" charset="-128"/>
+            </a:endParaRPr>
+          </a:p>
+        </p:txBody>
+      </p:sp>
+      <p:sp>
+        <p:nvSpPr>
+          <p:cNvPr id="19" name="テキスト ボックス 18">
+            <a:extLst>
+              <a:ext uri="{FF2B5EF4-FFF2-40B4-BE49-F238E27FC236}">
+                <a16:creationId xmlns:a16="http://schemas.microsoft.com/office/drawing/2014/main" id="{349FDBD9-22DC-5931-BBF9-841251CA5CDE}"/>
+              </a:ext>
+            </a:extLst>
+          </p:cNvPr>
+          <p:cNvSpPr txBox="1">
+            <a:spLocks/>
+          </p:cNvSpPr>
+          <p:nvPr userDrawn="1"/>
+        </p:nvSpPr>
+        <p:spPr>
+          <a:xfrm>
+            <a:off x="264692" y="2875281"/>
+            <a:ext cx="678582" cy="369332"/>
+          </a:xfrm>
+          <a:prstGeom prst="rect">
+            <a:avLst/>
+          </a:prstGeom>
+          <a:noFill/>
+        </p:spPr>
+        <p:txBody>
+          <a:bodyPr wrap="square">
+            <a:spAutoFit/>
+          </a:bodyPr>
+          <a:lstStyle/>
+          <a:p>
+            <a:pPr algn="l"/>
+            <a:r>
+              <a:rPr kumimoji="1" lang="ja-JP" altLang="en-US" sz="1800" b="1" dirty="0">
+                <a:solidFill>
+                  <a:srgbClr val="0070C0"/>
+                </a:solidFill>
+                <a:latin typeface="BIZ UDPゴシック" panose="020B0400000000000000" pitchFamily="50" charset="-128"/>
+                <a:ea typeface="BIZ UDPゴシック" panose="020B0400000000000000" pitchFamily="50" charset="-128"/>
+              </a:rPr>
+              <a:t>問</a:t>
+            </a:r>
+            <a:r>
+              <a:rPr kumimoji="1" lang="en-US" altLang="ja-JP" sz="1800" b="1" dirty="0">
+                <a:solidFill>
+                  <a:srgbClr val="0070C0"/>
+                </a:solidFill>
+                <a:latin typeface="BIZ UDPゴシック" panose="020B0400000000000000" pitchFamily="50" charset="-128"/>
+                <a:ea typeface="BIZ UDPゴシック" panose="020B0400000000000000" pitchFamily="50" charset="-128"/>
+              </a:rPr>
+              <a:t>2:</a:t>
+            </a:r>
+            <a:endParaRPr kumimoji="1" lang="es-ES" altLang="ja-JP" sz="1800" b="1" dirty="0">
+              <a:solidFill>
+                <a:srgbClr val="0070C0"/>
+              </a:solidFill>
+              <a:latin typeface="BIZ UDPゴシック" panose="020B0400000000000000" pitchFamily="50" charset="-128"/>
+              <a:ea typeface="BIZ UDPゴシック" panose="020B0400000000000000" pitchFamily="50" charset="-128"/>
+            </a:endParaRPr>
+          </a:p>
+        </p:txBody>
+      </p:sp>
+      <p:sp>
+        <p:nvSpPr>
+          <p:cNvPr id="20" name="テキスト ボックス 19">
+            <a:extLst>
+              <a:ext uri="{FF2B5EF4-FFF2-40B4-BE49-F238E27FC236}">
+                <a16:creationId xmlns:a16="http://schemas.microsoft.com/office/drawing/2014/main" id="{4668CDDD-2B9B-AC39-D180-F479A9118E27}"/>
+              </a:ext>
+            </a:extLst>
+          </p:cNvPr>
+          <p:cNvSpPr txBox="1">
+            <a:spLocks/>
+          </p:cNvSpPr>
+          <p:nvPr userDrawn="1"/>
+        </p:nvSpPr>
+        <p:spPr>
+          <a:xfrm>
+            <a:off x="264692" y="3876307"/>
+            <a:ext cx="678582" cy="369332"/>
+          </a:xfrm>
+          <a:prstGeom prst="rect">
+            <a:avLst/>
+          </a:prstGeom>
+          <a:noFill/>
+        </p:spPr>
+        <p:txBody>
+          <a:bodyPr wrap="square">
+            <a:spAutoFit/>
+          </a:bodyPr>
+          <a:lstStyle/>
+          <a:p>
+            <a:pPr algn="l"/>
+            <a:r>
+              <a:rPr kumimoji="1" lang="ja-JP" altLang="en-US" sz="1800" b="1" dirty="0">
+                <a:solidFill>
+                  <a:srgbClr val="0070C0"/>
+                </a:solidFill>
+                <a:latin typeface="BIZ UDPゴシック" panose="020B0400000000000000" pitchFamily="50" charset="-128"/>
+                <a:ea typeface="BIZ UDPゴシック" panose="020B0400000000000000" pitchFamily="50" charset="-128"/>
+              </a:rPr>
+              <a:t>問</a:t>
+            </a:r>
+            <a:r>
+              <a:rPr kumimoji="1" lang="en-US" altLang="ja-JP" sz="1800" b="1" dirty="0">
+                <a:solidFill>
+                  <a:srgbClr val="0070C0"/>
+                </a:solidFill>
+                <a:latin typeface="BIZ UDPゴシック" panose="020B0400000000000000" pitchFamily="50" charset="-128"/>
+                <a:ea typeface="BIZ UDPゴシック" panose="020B0400000000000000" pitchFamily="50" charset="-128"/>
+              </a:rPr>
+              <a:t>3:</a:t>
+            </a:r>
+            <a:endParaRPr kumimoji="1" lang="es-ES" altLang="ja-JP" sz="1800" b="1" dirty="0">
+              <a:solidFill>
+                <a:srgbClr val="0070C0"/>
+              </a:solidFill>
+              <a:latin typeface="BIZ UDPゴシック" panose="020B0400000000000000" pitchFamily="50" charset="-128"/>
+              <a:ea typeface="BIZ UDPゴシック" panose="020B0400000000000000" pitchFamily="50" charset="-128"/>
+            </a:endParaRPr>
+          </a:p>
+        </p:txBody>
+      </p:sp>
+      <p:sp>
+        <p:nvSpPr>
+          <p:cNvPr id="21" name="テキスト ボックス 20">
+            <a:extLst>
+              <a:ext uri="{FF2B5EF4-FFF2-40B4-BE49-F238E27FC236}">
+                <a16:creationId xmlns:a16="http://schemas.microsoft.com/office/drawing/2014/main" id="{5F4EAAE7-1E4B-7A77-4D10-FF5E64F365FF}"/>
+              </a:ext>
+            </a:extLst>
+          </p:cNvPr>
+          <p:cNvSpPr txBox="1">
+            <a:spLocks/>
+          </p:cNvSpPr>
+          <p:nvPr userDrawn="1"/>
+        </p:nvSpPr>
+        <p:spPr>
+          <a:xfrm>
+            <a:off x="264692" y="4867163"/>
+            <a:ext cx="678582" cy="369332"/>
+          </a:xfrm>
+          <a:prstGeom prst="rect">
+            <a:avLst/>
+          </a:prstGeom>
+          <a:noFill/>
+        </p:spPr>
+        <p:txBody>
+          <a:bodyPr wrap="square">
+            <a:spAutoFit/>
+          </a:bodyPr>
+          <a:lstStyle/>
+          <a:p>
+            <a:pPr algn="l"/>
+            <a:r>
+              <a:rPr kumimoji="1" lang="ja-JP" altLang="en-US" sz="1800" b="1" dirty="0">
+                <a:solidFill>
+                  <a:srgbClr val="0070C0"/>
+                </a:solidFill>
+                <a:latin typeface="BIZ UDPゴシック" panose="020B0400000000000000" pitchFamily="50" charset="-128"/>
+                <a:ea typeface="BIZ UDPゴシック" panose="020B0400000000000000" pitchFamily="50" charset="-128"/>
+              </a:rPr>
+              <a:t>問</a:t>
+            </a:r>
+            <a:r>
+              <a:rPr kumimoji="1" lang="en-US" altLang="ja-JP" sz="1800" b="1" dirty="0">
+                <a:solidFill>
+                  <a:srgbClr val="0070C0"/>
+                </a:solidFill>
+                <a:latin typeface="BIZ UDPゴシック" panose="020B0400000000000000" pitchFamily="50" charset="-128"/>
+                <a:ea typeface="BIZ UDPゴシック" panose="020B0400000000000000" pitchFamily="50" charset="-128"/>
+              </a:rPr>
+              <a:t>4:</a:t>
+            </a:r>
+            <a:endParaRPr kumimoji="1" lang="es-ES" altLang="ja-JP" sz="1800" b="1" dirty="0">
+              <a:solidFill>
+                <a:srgbClr val="0070C0"/>
+              </a:solidFill>
+              <a:latin typeface="BIZ UDPゴシック" panose="020B0400000000000000" pitchFamily="50" charset="-128"/>
+              <a:ea typeface="BIZ UDPゴシック" panose="020B0400000000000000" pitchFamily="50" charset="-128"/>
+            </a:endParaRPr>
+          </a:p>
+        </p:txBody>
+      </p:sp>
+      <p:sp>
+        <p:nvSpPr>
+          <p:cNvPr id="22" name="テキスト ボックス 21">
+            <a:extLst>
+              <a:ext uri="{FF2B5EF4-FFF2-40B4-BE49-F238E27FC236}">
+                <a16:creationId xmlns:a16="http://schemas.microsoft.com/office/drawing/2014/main" id="{E82AA348-8B3D-5D7E-5627-F4F9D3A2D227}"/>
+              </a:ext>
+            </a:extLst>
+          </p:cNvPr>
+          <p:cNvSpPr txBox="1">
+            <a:spLocks/>
+          </p:cNvSpPr>
+          <p:nvPr userDrawn="1"/>
+        </p:nvSpPr>
+        <p:spPr>
+          <a:xfrm>
+            <a:off x="7189533" y="1330427"/>
+            <a:ext cx="1049154" cy="369332"/>
+          </a:xfrm>
+          <a:prstGeom prst="rect">
+            <a:avLst/>
+          </a:prstGeom>
+          <a:noFill/>
+        </p:spPr>
+        <p:txBody>
+          <a:bodyPr wrap="square">
+            <a:spAutoFit/>
+          </a:bodyPr>
+          <a:lstStyle/>
+          <a:p>
+            <a:pPr algn="l"/>
+            <a:r>
+              <a:rPr kumimoji="1" lang="ja-JP" altLang="en-US" sz="1800" b="1" dirty="0">
+                <a:solidFill>
+                  <a:srgbClr val="0070C0"/>
+                </a:solidFill>
+                <a:latin typeface="BIZ UDPゴシック" panose="020B0400000000000000" pitchFamily="50" charset="-128"/>
+                <a:ea typeface="BIZ UDPゴシック" panose="020B0400000000000000" pitchFamily="50" charset="-128"/>
+              </a:rPr>
+              <a:t>解答欄</a:t>
+            </a:r>
+            <a:endParaRPr kumimoji="1" lang="es-ES" altLang="ja-JP" sz="1800" b="1" dirty="0">
+              <a:solidFill>
+                <a:srgbClr val="0070C0"/>
+              </a:solidFill>
+              <a:latin typeface="BIZ UDPゴシック" panose="020B0400000000000000" pitchFamily="50" charset="-128"/>
+              <a:ea typeface="BIZ UDPゴシック" panose="020B0400000000000000" pitchFamily="50" charset="-128"/>
+            </a:endParaRPr>
+          </a:p>
+        </p:txBody>
+      </p:sp>
+      <p:sp>
+        <p:nvSpPr>
+          <p:cNvPr id="23" name="テキスト ボックス 22">
+            <a:extLst>
+              <a:ext uri="{FF2B5EF4-FFF2-40B4-BE49-F238E27FC236}">
+                <a16:creationId xmlns:a16="http://schemas.microsoft.com/office/drawing/2014/main" id="{FCFB7855-0EE8-3857-15CD-CB3F325D5907}"/>
+              </a:ext>
+            </a:extLst>
+          </p:cNvPr>
+          <p:cNvSpPr txBox="1">
+            <a:spLocks/>
+          </p:cNvSpPr>
+          <p:nvPr userDrawn="1"/>
+        </p:nvSpPr>
+        <p:spPr>
+          <a:xfrm>
+            <a:off x="943274" y="1329185"/>
+            <a:ext cx="1049154" cy="369332"/>
+          </a:xfrm>
+          <a:prstGeom prst="rect">
+            <a:avLst/>
+          </a:prstGeom>
+          <a:noFill/>
+        </p:spPr>
+        <p:txBody>
+          <a:bodyPr wrap="square">
+            <a:spAutoFit/>
+          </a:bodyPr>
+          <a:lstStyle/>
+          <a:p>
+            <a:pPr algn="l"/>
+            <a:r>
+              <a:rPr kumimoji="1" lang="ja-JP" altLang="en-US" sz="1800" b="1" dirty="0">
+                <a:solidFill>
+                  <a:srgbClr val="0070C0"/>
+                </a:solidFill>
+                <a:latin typeface="BIZ UDPゴシック" panose="020B0400000000000000" pitchFamily="50" charset="-128"/>
+                <a:ea typeface="BIZ UDPゴシック" panose="020B0400000000000000" pitchFamily="50" charset="-128"/>
+              </a:rPr>
+              <a:t>問題</a:t>
+            </a:r>
+            <a:endParaRPr kumimoji="1" lang="es-ES" altLang="ja-JP" sz="1800" b="1" dirty="0">
+              <a:solidFill>
+                <a:srgbClr val="0070C0"/>
+              </a:solidFill>
+              <a:latin typeface="BIZ UDPゴシック" panose="020B0400000000000000" pitchFamily="50" charset="-128"/>
+              <a:ea typeface="BIZ UDPゴシック" panose="020B0400000000000000" pitchFamily="50" charset="-128"/>
+            </a:endParaRPr>
+          </a:p>
+        </p:txBody>
+      </p:sp>
+      <p:sp>
+        <p:nvSpPr>
+          <p:cNvPr id="24" name="正方形/長方形 23">
+            <a:extLst>
+              <a:ext uri="{FF2B5EF4-FFF2-40B4-BE49-F238E27FC236}">
+                <a16:creationId xmlns:a16="http://schemas.microsoft.com/office/drawing/2014/main" id="{2736173E-5605-5FAB-D591-419876563073}"/>
+              </a:ext>
+            </a:extLst>
+          </p:cNvPr>
+          <p:cNvSpPr>
+            <a:spLocks/>
+          </p:cNvSpPr>
+          <p:nvPr userDrawn="1"/>
+        </p:nvSpPr>
+        <p:spPr>
+          <a:xfrm>
+            <a:off x="943276" y="1688347"/>
             <a:ext cx="6246258" cy="914400"/>
           </a:xfrm>
           <a:prstGeom prst="rect">
@@ -1217,72 +1467,24 @@
           <a:p>
             <a:pPr algn="l"/>
             <a:r>
-              <a:rPr kumimoji="1" lang="es-ES" altLang="ja-JP" sz="1200" b="0" dirty="0">
-                <a:solidFill>
-                  <a:srgbClr val="C00000"/>
-                </a:solidFill>
+              <a:rPr kumimoji="1" lang="ja-JP" altLang="en-US" sz="1200" dirty="0">
                 <a:latin typeface="Consolas" panose="020B0609020204030204" pitchFamily="49" charset="0"/>
               </a:rPr>
-              <a:t>auto width = 5; // </a:t>
-            </a:r>
-            <a:r>
-              <a:rPr kumimoji="1" lang="ja-JP" altLang="en-US" sz="1200" b="0" dirty="0">
-                <a:solidFill>
-                  <a:srgbClr val="C00000"/>
-                </a:solidFill>
+              <a:t>温度センサーからのデータを読み取り、その結果を返す関数の名前。温度センサーからのデータ取得には読み出し命令を送ってから結果が得られるまでに</a:t>
+            </a:r>
+            <a:r>
+              <a:rPr kumimoji="1" lang="en-US" altLang="ja-JP" sz="1200" dirty="0">
                 <a:latin typeface="Consolas" panose="020B0609020204030204" pitchFamily="49" charset="0"/>
               </a:rPr>
-              <a:t>長方形の幅</a:t>
-            </a:r>
-            <a:endParaRPr kumimoji="1" lang="es-ES" altLang="ja-JP" sz="1200" b="0" dirty="0">
-              <a:solidFill>
-                <a:srgbClr val="C00000"/>
-              </a:solidFill>
-              <a:latin typeface="Consolas" panose="020B0609020204030204" pitchFamily="49" charset="0"/>
-            </a:endParaRPr>
-          </a:p>
-          <a:p>
-            <a:pPr algn="l"/>
-            <a:r>
-              <a:rPr kumimoji="1" lang="es-ES" altLang="ja-JP" sz="1200" b="0" dirty="0">
-                <a:solidFill>
-                  <a:srgbClr val="C00000"/>
-                </a:solidFill>
+              <a:t>6μ</a:t>
+            </a:r>
+            <a:r>
+              <a:rPr lang="ja-JP" altLang="en-US" sz="1200" dirty="0">
                 <a:latin typeface="Consolas" panose="020B0609020204030204" pitchFamily="49" charset="0"/>
               </a:rPr>
-              <a:t>auto height = 10; // </a:t>
-            </a:r>
-            <a:r>
-              <a:rPr kumimoji="1" lang="ja-JP" altLang="en-US" sz="1200" b="0" dirty="0">
-                <a:solidFill>
-                  <a:srgbClr val="C00000"/>
-                </a:solidFill>
-                <a:latin typeface="Consolas" panose="020B0609020204030204" pitchFamily="49" charset="0"/>
-              </a:rPr>
-              <a:t>長方形の高さ</a:t>
-            </a:r>
-            <a:endParaRPr kumimoji="1" lang="es-ES" altLang="ja-JP" sz="1200" b="0" dirty="0">
-              <a:solidFill>
-                <a:srgbClr val="C00000"/>
-              </a:solidFill>
-              <a:latin typeface="Consolas" panose="020B0609020204030204" pitchFamily="49" charset="0"/>
-            </a:endParaRPr>
-          </a:p>
-          <a:p>
-            <a:pPr algn="l"/>
-            <a:r>
-              <a:rPr kumimoji="1" lang="es-ES" altLang="ja-JP" sz="1200" b="0" dirty="0">
-                <a:solidFill>
-                  <a:srgbClr val="C00000"/>
-                </a:solidFill>
-                <a:latin typeface="Consolas" panose="020B0609020204030204" pitchFamily="49" charset="0"/>
-              </a:rPr>
-              <a:t>auto area = width * height;</a:t>
-            </a:r>
-            <a:endParaRPr kumimoji="1" lang="ja-JP" altLang="en-US" sz="1200" b="0" dirty="0">
-              <a:solidFill>
-                <a:srgbClr val="C00000"/>
-              </a:solidFill>
+              <a:t>秒かかる</a:t>
+            </a:r>
+            <a:endParaRPr kumimoji="1" lang="ja-JP" altLang="en-US" sz="1200" dirty="0">
               <a:latin typeface="Consolas" panose="020B0609020204030204" pitchFamily="49" charset="0"/>
             </a:endParaRPr>
           </a:p>
@@ -1290,19 +1492,21 @@
       </p:sp>
       <p:sp>
         <p:nvSpPr>
-          <p:cNvPr id="11" name="正方形/長方形 10">
+          <p:cNvPr id="25" name="正方形/長方形 24">
             <a:extLst>
               <a:ext uri="{FF2B5EF4-FFF2-40B4-BE49-F238E27FC236}">
-                <a16:creationId xmlns:a16="http://schemas.microsoft.com/office/drawing/2014/main" id="{B1162EEE-D388-7924-A6C8-8994C0958249}"/>
+                <a16:creationId xmlns:a16="http://schemas.microsoft.com/office/drawing/2014/main" id="{C3ABC193-4BFF-24F4-43B7-773EA461DD33}"/>
               </a:ext>
             </a:extLst>
           </p:cNvPr>
-          <p:cNvSpPr/>
+          <p:cNvSpPr>
+            <a:spLocks/>
+          </p:cNvSpPr>
           <p:nvPr userDrawn="1"/>
         </p:nvSpPr>
         <p:spPr>
           <a:xfrm>
-            <a:off x="5447901" y="2602747"/>
+            <a:off x="943276" y="2602747"/>
             <a:ext cx="6246258" cy="914400"/>
           </a:xfrm>
           <a:prstGeom prst="rect">
@@ -1329,56 +1533,52 @@
           <a:p>
             <a:pPr algn="l"/>
             <a:r>
-              <a:rPr kumimoji="1" lang="es-ES" altLang="ja-JP" sz="1200" b="0" dirty="0">
-                <a:solidFill>
-                  <a:srgbClr val="C00000"/>
-                </a:solidFill>
+              <a:rPr kumimoji="1" lang="ja-JP" altLang="en-US" sz="1200" dirty="0">
                 <a:latin typeface="Consolas" panose="020B0609020204030204" pitchFamily="49" charset="0"/>
               </a:rPr>
-              <a:t>employeeName = "John"s;</a:t>
-            </a:r>
-          </a:p>
-          <a:p>
-            <a:pPr algn="l"/>
-            <a:r>
-              <a:rPr kumimoji="1" lang="es-ES" altLang="ja-JP" sz="1200" b="0" dirty="0">
-                <a:solidFill>
-                  <a:srgbClr val="C00000"/>
-                </a:solidFill>
+              <a:t>モーターの回転速度を保持するための変数の名前。この値を使ってモーターを</a:t>
+            </a:r>
+            <a:r>
+              <a:rPr kumimoji="1" lang="en-US" altLang="ja-JP" sz="1200" dirty="0">
                 <a:latin typeface="Consolas" panose="020B0609020204030204" pitchFamily="49" charset="0"/>
               </a:rPr>
-              <a:t>departmentId = 42;</a:t>
-            </a:r>
-          </a:p>
-          <a:p>
-            <a:pPr algn="l"/>
-            <a:r>
-              <a:rPr kumimoji="1" lang="es-ES" altLang="ja-JP" sz="1200" b="0" dirty="0">
-                <a:solidFill>
-                  <a:srgbClr val="C00000"/>
-                </a:solidFill>
+              <a:t>PWM</a:t>
+            </a:r>
+            <a:r>
+              <a:rPr kumimoji="1" lang="ja-JP" altLang="en-US" sz="1200" dirty="0">
                 <a:latin typeface="Consolas" panose="020B0609020204030204" pitchFamily="49" charset="0"/>
               </a:rPr>
-              <a:t>isEnabled = false;</a:t>
-            </a:r>
+              <a:t>制御します。単位は１分間に回転する数</a:t>
+            </a:r>
+            <a:r>
+              <a:rPr kumimoji="1" lang="en-US" altLang="ja-JP" sz="1200" dirty="0">
+                <a:latin typeface="Consolas" panose="020B0609020204030204" pitchFamily="49" charset="0"/>
+              </a:rPr>
+              <a:t>(rpm)</a:t>
+            </a:r>
+            <a:endParaRPr kumimoji="1" lang="es-ES" altLang="ja-JP" sz="1200" dirty="0">
+              <a:latin typeface="Consolas" panose="020B0609020204030204" pitchFamily="49" charset="0"/>
+            </a:endParaRPr>
           </a:p>
         </p:txBody>
       </p:sp>
       <p:sp>
         <p:nvSpPr>
-          <p:cNvPr id="12" name="正方形/長方形 11">
+          <p:cNvPr id="26" name="正方形/長方形 25">
             <a:extLst>
               <a:ext uri="{FF2B5EF4-FFF2-40B4-BE49-F238E27FC236}">
-                <a16:creationId xmlns:a16="http://schemas.microsoft.com/office/drawing/2014/main" id="{A587D55F-E4B7-A04C-6F5D-49E01CB61D50}"/>
+                <a16:creationId xmlns:a16="http://schemas.microsoft.com/office/drawing/2014/main" id="{3446DEB3-9428-5049-C8CF-4314927514AC}"/>
               </a:ext>
             </a:extLst>
           </p:cNvPr>
-          <p:cNvSpPr/>
+          <p:cNvSpPr>
+            <a:spLocks/>
+          </p:cNvSpPr>
           <p:nvPr userDrawn="1"/>
         </p:nvSpPr>
         <p:spPr>
           <a:xfrm>
-            <a:off x="5447899" y="3517146"/>
+            <a:off x="943274" y="3517146"/>
             <a:ext cx="6246259" cy="1087655"/>
           </a:xfrm>
           <a:prstGeom prst="rect">
@@ -1405,176 +1605,16 @@
           <a:p>
             <a:pPr algn="l"/>
             <a:r>
-              <a:rPr kumimoji="1" lang="en-US" altLang="ja-JP" sz="1200" b="0" dirty="0">
-                <a:solidFill>
-                  <a:srgbClr val="C00000"/>
-                </a:solidFill>
+              <a:rPr kumimoji="1" lang="ja-JP" altLang="en-US" sz="1200" dirty="0">
                 <a:latin typeface="Consolas" panose="020B0609020204030204" pitchFamily="49" charset="0"/>
               </a:rPr>
-              <a:t>void </a:t>
-            </a:r>
-            <a:r>
-              <a:rPr kumimoji="1" lang="en-US" altLang="ja-JP" sz="1200" b="0" dirty="0" err="1">
-                <a:solidFill>
-                  <a:srgbClr val="C00000"/>
-                </a:solidFill>
-                <a:latin typeface="Consolas" panose="020B0609020204030204" pitchFamily="49" charset="0"/>
-              </a:rPr>
-              <a:t>parseStreamedData</a:t>
-            </a:r>
-            <a:r>
-              <a:rPr kumimoji="1" lang="en-US" altLang="ja-JP" sz="1200" b="0" dirty="0">
-                <a:solidFill>
-                  <a:srgbClr val="C00000"/>
-                </a:solidFill>
-                <a:latin typeface="Consolas" panose="020B0609020204030204" pitchFamily="49" charset="0"/>
-              </a:rPr>
-              <a:t>() {…}</a:t>
-            </a:r>
-          </a:p>
-          <a:p>
-            <a:pPr algn="l"/>
-            <a:r>
-              <a:rPr kumimoji="1" lang="en-US" altLang="ja-JP" sz="1200" b="0" dirty="0">
-                <a:solidFill>
-                  <a:srgbClr val="C00000"/>
-                </a:solidFill>
-                <a:latin typeface="Consolas" panose="020B0609020204030204" pitchFamily="49" charset="0"/>
-              </a:rPr>
-              <a:t>bool </a:t>
-            </a:r>
-            <a:r>
-              <a:rPr kumimoji="1" lang="en-US" altLang="ja-JP" sz="1200" b="0" dirty="0" err="1">
-                <a:solidFill>
-                  <a:srgbClr val="C00000"/>
-                </a:solidFill>
-                <a:latin typeface="Consolas" panose="020B0609020204030204" pitchFamily="49" charset="0"/>
-              </a:rPr>
-              <a:t>validateUserInformation</a:t>
-            </a:r>
-            <a:r>
-              <a:rPr kumimoji="1" lang="en-US" altLang="ja-JP" sz="1200" b="0" dirty="0">
-                <a:solidFill>
-                  <a:srgbClr val="C00000"/>
-                </a:solidFill>
-                <a:latin typeface="Consolas" panose="020B0609020204030204" pitchFamily="49" charset="0"/>
-              </a:rPr>
-              <a:t> () {…}</a:t>
-            </a:r>
-          </a:p>
-          <a:p>
-            <a:pPr algn="l"/>
-            <a:r>
-              <a:rPr kumimoji="1" lang="en-US" altLang="ja-JP" sz="1200" b="0" dirty="0">
-                <a:solidFill>
-                  <a:srgbClr val="C00000"/>
-                </a:solidFill>
-                <a:latin typeface="Consolas" panose="020B0609020204030204" pitchFamily="49" charset="0"/>
-              </a:rPr>
-              <a:t>void </a:t>
-            </a:r>
-            <a:r>
-              <a:rPr kumimoji="1" lang="en-US" altLang="ja-JP" sz="1200" b="0" dirty="0" err="1">
-                <a:solidFill>
-                  <a:srgbClr val="C00000"/>
-                </a:solidFill>
-                <a:latin typeface="Consolas" panose="020B0609020204030204" pitchFamily="49" charset="0"/>
-              </a:rPr>
-              <a:t>showEffect</a:t>
-            </a:r>
-            <a:r>
-              <a:rPr kumimoji="1" lang="en-US" altLang="ja-JP" sz="1200" b="0" dirty="0">
-                <a:solidFill>
-                  <a:srgbClr val="C00000"/>
-                </a:solidFill>
-                <a:latin typeface="Consolas" panose="020B0609020204030204" pitchFamily="49" charset="0"/>
-              </a:rPr>
-              <a:t>() {…} // ※</a:t>
-            </a:r>
-            <a:r>
-              <a:rPr kumimoji="1" lang="ja-JP" altLang="en-US" sz="1200" b="0" dirty="0">
-                <a:solidFill>
-                  <a:srgbClr val="C00000"/>
-                </a:solidFill>
-                <a:latin typeface="Consolas" panose="020B0609020204030204" pitchFamily="49" charset="0"/>
-              </a:rPr>
-              <a:t>ロード中かどうかは呼ぶ側の</a:t>
-            </a:r>
-            <a:r>
-              <a:rPr kumimoji="1" lang="en-US" altLang="ja-JP" sz="1200" b="0" dirty="0">
-                <a:solidFill>
-                  <a:srgbClr val="C00000"/>
-                </a:solidFill>
-                <a:latin typeface="Consolas" panose="020B0609020204030204" pitchFamily="49" charset="0"/>
-              </a:rPr>
-              <a:t>if</a:t>
-            </a:r>
-            <a:r>
-              <a:rPr kumimoji="1" lang="ja-JP" altLang="en-US" sz="1200" b="0" dirty="0">
-                <a:solidFill>
-                  <a:srgbClr val="C00000"/>
-                </a:solidFill>
-                <a:latin typeface="Consolas" panose="020B0609020204030204" pitchFamily="49" charset="0"/>
-              </a:rPr>
-              <a:t>で判定</a:t>
-            </a:r>
-            <a:endParaRPr kumimoji="1" lang="en-US" altLang="ja-JP" sz="1200" b="0" dirty="0">
+              <a:t>カウントダウンしているウォッチドッグタイマーのタイマー値を初期化するための関数の名前。この関数を様々なタイミングで呼ぶことによって、システムの強制リセットを回避します。</a:t>
+            </a:r>
+            <a:endParaRPr kumimoji="1" lang="en-US" altLang="ja-JP" sz="1200" dirty="0">
               <a:solidFill>
-                <a:srgbClr val="C00000"/>
-              </a:solidFill>
-              <a:latin typeface="Consolas" panose="020B0609020204030204" pitchFamily="49" charset="0"/>
-            </a:endParaRPr>
-          </a:p>
-          <a:p>
-            <a:pPr algn="l"/>
-            <a:r>
-              <a:rPr kumimoji="1" lang="en-US" altLang="ja-JP" sz="1200" b="0" dirty="0">
-                <a:solidFill>
-                  <a:srgbClr val="C00000"/>
-                </a:solidFill>
-                <a:latin typeface="Consolas" panose="020B0609020204030204" pitchFamily="49" charset="0"/>
-              </a:rPr>
-              <a:t>void </a:t>
-            </a:r>
-            <a:r>
-              <a:rPr kumimoji="1" lang="en-US" altLang="ja-JP" sz="1200" b="0" dirty="0" err="1">
-                <a:solidFill>
-                  <a:srgbClr val="C00000"/>
-                </a:solidFill>
-                <a:latin typeface="Consolas" panose="020B0609020204030204" pitchFamily="49" charset="0"/>
-              </a:rPr>
-              <a:t>registerUser</a:t>
-            </a:r>
-            <a:r>
-              <a:rPr kumimoji="1" lang="en-US" altLang="ja-JP" sz="1200" b="0" dirty="0">
-                <a:solidFill>
-                  <a:srgbClr val="C00000"/>
-                </a:solidFill>
-                <a:latin typeface="Consolas" panose="020B0609020204030204" pitchFamily="49" charset="0"/>
-              </a:rPr>
-              <a:t>(User user) {…} // ※</a:t>
-            </a:r>
-            <a:r>
-              <a:rPr kumimoji="1" lang="en-US" altLang="ja-JP" sz="1200" b="0" dirty="0" err="1">
-                <a:solidFill>
-                  <a:srgbClr val="C00000"/>
-                </a:solidFill>
-                <a:latin typeface="Consolas" panose="020B0609020204030204" pitchFamily="49" charset="0"/>
-              </a:rPr>
-              <a:t>regist</a:t>
-            </a:r>
-            <a:r>
-              <a:rPr kumimoji="1" lang="ja-JP" altLang="en-US" sz="1200" b="0" dirty="0">
-                <a:solidFill>
-                  <a:srgbClr val="C00000"/>
-                </a:solidFill>
-                <a:latin typeface="Consolas" panose="020B0609020204030204" pitchFamily="49" charset="0"/>
-              </a:rPr>
-              <a:t>に登録するという意味はない</a:t>
-            </a:r>
-            <a:endParaRPr kumimoji="1" lang="en-US" altLang="ja-JP" sz="1200" b="0" dirty="0">
-              <a:solidFill>
-                <a:srgbClr val="C00000"/>
+                <a:schemeClr val="accent6">
+                  <a:lumMod val="75000"/>
+                </a:schemeClr>
               </a:solidFill>
               <a:latin typeface="Consolas" panose="020B0609020204030204" pitchFamily="49" charset="0"/>
             </a:endParaRPr>
@@ -1583,20 +1623,22 @@
       </p:sp>
       <p:sp>
         <p:nvSpPr>
-          <p:cNvPr id="13" name="正方形/長方形 12">
+          <p:cNvPr id="28" name="正方形/長方形 27">
             <a:extLst>
               <a:ext uri="{FF2B5EF4-FFF2-40B4-BE49-F238E27FC236}">
-                <a16:creationId xmlns:a16="http://schemas.microsoft.com/office/drawing/2014/main" id="{EEB7D6E9-0766-303D-2120-8A93855720D8}"/>
+                <a16:creationId xmlns:a16="http://schemas.microsoft.com/office/drawing/2014/main" id="{329EEC20-9378-D041-C47E-41C352FF4EB8}"/>
               </a:ext>
             </a:extLst>
           </p:cNvPr>
-          <p:cNvSpPr/>
+          <p:cNvSpPr>
+            <a:spLocks/>
+          </p:cNvSpPr>
           <p:nvPr userDrawn="1"/>
         </p:nvSpPr>
         <p:spPr>
           <a:xfrm>
-            <a:off x="5447899" y="4604801"/>
-            <a:ext cx="6246260" cy="1771049"/>
+            <a:off x="943273" y="4604801"/>
+            <a:ext cx="6246261" cy="914399"/>
           </a:xfrm>
           <a:prstGeom prst="rect">
             <a:avLst/>
@@ -1622,121 +1664,111 @@
           <a:p>
             <a:pPr algn="l"/>
             <a:r>
-              <a:rPr kumimoji="1" lang="en-US" altLang="ja-JP" sz="1200" b="0" dirty="0">
+              <a:rPr kumimoji="1" lang="ja-JP" altLang="en-US" sz="1200" dirty="0">
+                <a:latin typeface="Consolas" panose="020B0609020204030204" pitchFamily="49" charset="0"/>
+              </a:rPr>
+              <a:t>フラッシュ</a:t>
+            </a:r>
+            <a:r>
+              <a:rPr kumimoji="1" lang="en-US" altLang="ja-JP" sz="1200" dirty="0">
+                <a:latin typeface="Consolas" panose="020B0609020204030204" pitchFamily="49" charset="0"/>
+              </a:rPr>
+              <a:t>ROM</a:t>
+            </a:r>
+            <a:r>
+              <a:rPr kumimoji="1" lang="ja-JP" altLang="en-US" sz="1200" dirty="0">
+                <a:latin typeface="Consolas" panose="020B0609020204030204" pitchFamily="49" charset="0"/>
+              </a:rPr>
+              <a:t>に記録されている整数型のデータを読み込むための関数の名前。データは起動時にメモリ上にキャッシュされていて、値の種類に関わらず高速に読み込めます。</a:t>
+            </a:r>
+            <a:endParaRPr kumimoji="1" lang="en-US" altLang="ja-JP" sz="1200" dirty="0">
+              <a:latin typeface="Consolas" panose="020B0609020204030204" pitchFamily="49" charset="0"/>
+            </a:endParaRPr>
+          </a:p>
+        </p:txBody>
+      </p:sp>
+      <p:sp>
+        <p:nvSpPr>
+          <p:cNvPr id="29" name="正方形/長方形 28">
+            <a:extLst>
+              <a:ext uri="{FF2B5EF4-FFF2-40B4-BE49-F238E27FC236}">
+                <a16:creationId xmlns:a16="http://schemas.microsoft.com/office/drawing/2014/main" id="{6A7EDE7A-6502-D740-FE25-630B5DC748A5}"/>
+              </a:ext>
+            </a:extLst>
+          </p:cNvPr>
+          <p:cNvSpPr>
+            <a:spLocks/>
+          </p:cNvSpPr>
+          <p:nvPr userDrawn="1"/>
+        </p:nvSpPr>
+        <p:spPr>
+          <a:xfrm>
+            <a:off x="7189533" y="5516143"/>
+            <a:ext cx="4504626" cy="914399"/>
+          </a:xfrm>
+          <a:prstGeom prst="rect">
+            <a:avLst/>
+          </a:prstGeom>
+        </p:spPr>
+        <p:style>
+          <a:lnRef idx="2">
+            <a:schemeClr val="accent5"/>
+          </a:lnRef>
+          <a:fillRef idx="1">
+            <a:schemeClr val="lt1"/>
+          </a:fillRef>
+          <a:effectRef idx="0">
+            <a:schemeClr val="accent5"/>
+          </a:effectRef>
+          <a:fontRef idx="minor">
+            <a:schemeClr val="dk1"/>
+          </a:fontRef>
+        </p:style>
+        <p:txBody>
+          <a:bodyPr rtlCol="0" anchor="ctr"/>
+          <a:lstStyle/>
+          <a:p>
+            <a:pPr algn="l"/>
+            <a:r>
+              <a:rPr kumimoji="1" lang="en-US" altLang="ja-JP" sz="1200" dirty="0" err="1">
                 <a:solidFill>
                   <a:srgbClr val="C00000"/>
                 </a:solidFill>
                 <a:latin typeface="Consolas" panose="020B0609020204030204" pitchFamily="49" charset="0"/>
               </a:rPr>
-              <a:t>double </a:t>
-            </a:r>
-            <a:r>
-              <a:rPr kumimoji="1" lang="en-US" altLang="ja-JP" sz="1200" b="0" dirty="0" err="1">
+              <a:t>writeData</a:t>
+            </a:r>
+            <a:r>
+              <a:rPr kumimoji="1" lang="en-US" altLang="ja-JP" sz="1200" dirty="0">
                 <a:solidFill>
                   <a:srgbClr val="C00000"/>
                 </a:solidFill>
                 <a:latin typeface="Consolas" panose="020B0609020204030204" pitchFamily="49" charset="0"/>
               </a:rPr>
-              <a:t>calculate_area</a:t>
-            </a:r>
-            <a:r>
-              <a:rPr kumimoji="1" lang="en-US" altLang="ja-JP" sz="1200" b="0" dirty="0">
+              <a:t>(), </a:t>
+            </a:r>
+            <a:r>
+              <a:rPr kumimoji="1" lang="en-US" altLang="ja-JP" sz="1200" dirty="0" err="1">
                 <a:solidFill>
                   <a:srgbClr val="C00000"/>
                 </a:solidFill>
                 <a:latin typeface="Consolas" panose="020B0609020204030204" pitchFamily="49" charset="0"/>
               </a:rPr>
-              <a:t>(double radius) {</a:t>
-            </a:r>
-          </a:p>
-          <a:p>
-            <a:pPr algn="l"/>
-            <a:r>
-              <a:rPr kumimoji="1" lang="en-US" altLang="ja-JP" sz="1200" b="0" dirty="0">
+              <a:t>writeBinaryData</a:t>
+            </a:r>
+            <a:r>
+              <a:rPr kumimoji="1" lang="en-US" altLang="ja-JP" sz="1200" dirty="0">
                 <a:solidFill>
                   <a:srgbClr val="C00000"/>
                 </a:solidFill>
                 <a:latin typeface="Consolas" panose="020B0609020204030204" pitchFamily="49" charset="0"/>
               </a:rPr>
-              <a:t>    const double pi = 3.14;</a:t>
+              <a:t>()</a:t>
             </a:r>
           </a:p>
           <a:p>
             <a:pPr algn="l"/>
-            <a:r>
-              <a:rPr kumimoji="1" lang="en-US" altLang="ja-JP" sz="1200" b="0" dirty="0">
-                <a:solidFill>
-                  <a:srgbClr val="C00000"/>
-                </a:solidFill>
-                <a:latin typeface="Consolas" panose="020B0609020204030204" pitchFamily="49" charset="0"/>
-              </a:rPr>
-              <a:t>    auto area = </a:t>
-            </a:r>
-            <a:r>
-              <a:rPr lang="en-US" altLang="ja-JP" sz="1200" b="0" i="0" dirty="0">
-                <a:solidFill>
-                  <a:srgbClr val="C00000"/>
-                </a:solidFill>
-                <a:effectLst/>
-                <a:latin typeface="Consolas" panose="020B0609020204030204" pitchFamily="49" charset="0"/>
-              </a:rPr>
-              <a:t>std::numbers::pi</a:t>
-            </a:r>
-            <a:r>
-              <a:rPr kumimoji="1" lang="en-US" altLang="ja-JP" sz="1200" b="0" dirty="0">
-                <a:solidFill>
-                  <a:srgbClr val="C00000"/>
-                </a:solidFill>
-                <a:latin typeface="Consolas" panose="020B0609020204030204" pitchFamily="49" charset="0"/>
-              </a:rPr>
-              <a:t> * radius * radius; // </a:t>
-            </a:r>
-            <a:r>
-              <a:rPr kumimoji="1" lang="en-US" altLang="ja-JP" sz="1200" b="0" dirty="0" err="1">
-                <a:solidFill>
-                  <a:srgbClr val="C00000"/>
-                </a:solidFill>
-                <a:latin typeface="Consolas" panose="020B0609020204030204" pitchFamily="49" charset="0"/>
-              </a:rPr>
-              <a:t>c++</a:t>
-            </a:r>
-            <a:r>
-              <a:rPr kumimoji="1" lang="en-US" altLang="ja-JP" sz="1200" b="0" dirty="0">
-                <a:solidFill>
-                  <a:srgbClr val="C00000"/>
-                </a:solidFill>
-                <a:latin typeface="Consolas" panose="020B0609020204030204" pitchFamily="49" charset="0"/>
-              </a:rPr>
-              <a:t>20</a:t>
-            </a:r>
-            <a:r>
-              <a:rPr kumimoji="1" lang="ja-JP" altLang="en-US" sz="1200" b="0" dirty="0">
-                <a:solidFill>
-                  <a:srgbClr val="C00000"/>
-                </a:solidFill>
-                <a:latin typeface="Consolas" panose="020B0609020204030204" pitchFamily="49" charset="0"/>
-              </a:rPr>
-              <a:t>。</a:t>
-            </a:r>
-            <a:r>
-              <a:rPr kumimoji="1" lang="en-US" altLang="ja-JP" sz="1200" b="0" dirty="0">
-                <a:solidFill>
-                  <a:srgbClr val="C00000"/>
-                </a:solidFill>
-                <a:latin typeface="Consolas" panose="020B0609020204030204" pitchFamily="49" charset="0"/>
-              </a:rPr>
-              <a:t>M_PI</a:t>
-            </a:r>
-            <a:r>
-              <a:rPr kumimoji="1" lang="ja-JP" altLang="en-US" sz="1200" b="0" dirty="0">
-                <a:solidFill>
-                  <a:srgbClr val="C00000"/>
-                </a:solidFill>
-                <a:latin typeface="Consolas" panose="020B0609020204030204" pitchFamily="49" charset="0"/>
-              </a:rPr>
-              <a:t>も可</a:t>
-            </a:r>
-            <a:endParaRPr kumimoji="1" lang="en-US" altLang="ja-JP" sz="1200" b="0" dirty="0">
+            <a:endParaRPr kumimoji="1" lang="en-US" altLang="ja-JP" sz="1200" dirty="0">
               <a:solidFill>
                 <a:srgbClr val="C00000"/>
               </a:solidFill>
@@ -1746,104 +1778,52 @@
           <a:p>
             <a:pPr algn="l"/>
             <a:r>
-              <a:rPr kumimoji="1" lang="en-US" altLang="ja-JP" sz="1200" b="0" dirty="0">
+              <a:rPr kumimoji="1" lang="ja-JP" altLang="en-US" sz="1200" dirty="0">
                 <a:solidFill>
                   <a:srgbClr val="C00000"/>
                 </a:solidFill>
                 <a:latin typeface="Consolas" panose="020B0609020204030204" pitchFamily="49" charset="0"/>
               </a:rPr>
-              <a:t>    return area;</a:t>
-            </a:r>
-          </a:p>
-          <a:p>
-            <a:pPr algn="l"/>
-            <a:r>
-              <a:rPr kumimoji="1" lang="en-US" altLang="ja-JP" sz="1200" b="0" dirty="0">
+              <a:t>✕</a:t>
+            </a:r>
+            <a:r>
+              <a:rPr kumimoji="1" lang="en-US" altLang="ja-JP" sz="1200" dirty="0" err="1">
                 <a:solidFill>
                   <a:srgbClr val="C00000"/>
                 </a:solidFill>
                 <a:latin typeface="Consolas" panose="020B0609020204030204" pitchFamily="49" charset="0"/>
               </a:rPr>
-              <a:t>}</a:t>
-            </a:r>
-          </a:p>
-          <a:p>
-            <a:pPr algn="l"/>
-            <a:r>
-              <a:rPr kumimoji="1" lang="en-US" altLang="ja-JP" sz="1200" b="0" dirty="0">
+              <a:t>setData</a:t>
+            </a:r>
+            <a:r>
+              <a:rPr kumimoji="1" lang="en-US" altLang="ja-JP" sz="1200" dirty="0">
                 <a:solidFill>
                   <a:srgbClr val="C00000"/>
                 </a:solidFill>
                 <a:latin typeface="Consolas" panose="020B0609020204030204" pitchFamily="49" charset="0"/>
               </a:rPr>
-              <a:t>x = 7;</a:t>
-            </a:r>
-          </a:p>
-          <a:p>
-            <a:pPr algn="l"/>
-            <a:r>
-              <a:rPr kumimoji="1" lang="en-US" altLang="ja-JP" sz="1200" b="0" dirty="0">
-                <a:solidFill>
-                  <a:srgbClr val="C00000"/>
-                </a:solidFill>
-                <a:latin typeface="Consolas" panose="020B0609020204030204" pitchFamily="49" charset="0"/>
-              </a:rPr>
-              <a:t>auto </a:t>
-            </a:r>
-            <a:r>
-              <a:rPr kumimoji="1" lang="en-US" altLang="ja-JP" sz="1200" b="0" dirty="0" err="1">
-                <a:solidFill>
-                  <a:srgbClr val="C00000"/>
-                </a:solidFill>
-                <a:latin typeface="Consolas" panose="020B0609020204030204" pitchFamily="49" charset="0"/>
-              </a:rPr>
-              <a:t>circle_area</a:t>
-            </a:r>
-            <a:r>
-              <a:rPr kumimoji="1" lang="en-US" altLang="ja-JP" sz="1200" b="0" dirty="0">
-                <a:solidFill>
-                  <a:srgbClr val="C00000"/>
-                </a:solidFill>
-                <a:latin typeface="Consolas" panose="020B0609020204030204" pitchFamily="49" charset="0"/>
-              </a:rPr>
-              <a:t> = </a:t>
-            </a:r>
-            <a:r>
-              <a:rPr kumimoji="1" lang="en-US" altLang="ja-JP" sz="1200" b="0" dirty="0" err="1">
-                <a:solidFill>
-                  <a:srgbClr val="C00000"/>
-                </a:solidFill>
-                <a:latin typeface="Consolas" panose="020B0609020204030204" pitchFamily="49" charset="0"/>
-              </a:rPr>
-              <a:t>calculate_area</a:t>
-            </a:r>
-            <a:r>
-              <a:rPr kumimoji="1" lang="en-US" altLang="ja-JP" sz="1200" b="0" dirty="0">
-                <a:solidFill>
-                  <a:srgbClr val="C00000"/>
-                </a:solidFill>
-                <a:latin typeface="Consolas" panose="020B0609020204030204" pitchFamily="49" charset="0"/>
-              </a:rPr>
-              <a:t>(x);</a:t>
+              <a:t>()</a:t>
             </a:r>
           </a:p>
         </p:txBody>
       </p:sp>
       <p:sp>
         <p:nvSpPr>
-          <p:cNvPr id="14" name="テキスト ボックス 13">
+          <p:cNvPr id="33" name="テキスト ボックス 32">
             <a:extLst>
               <a:ext uri="{FF2B5EF4-FFF2-40B4-BE49-F238E27FC236}">
-                <a16:creationId xmlns:a16="http://schemas.microsoft.com/office/drawing/2014/main" id="{1BEC4ABD-F936-5AE5-222A-EA08288C74FD}"/>
+                <a16:creationId xmlns:a16="http://schemas.microsoft.com/office/drawing/2014/main" id="{149D3DC1-0D86-B5EA-9168-752D614711C7}"/>
               </a:ext>
             </a:extLst>
           </p:cNvPr>
-          <p:cNvSpPr txBox="1"/>
+          <p:cNvSpPr txBox="1">
+            <a:spLocks/>
+          </p:cNvSpPr>
           <p:nvPr userDrawn="1"/>
         </p:nvSpPr>
         <p:spPr>
           <a:xfrm>
-            <a:off x="264692" y="1960881"/>
+            <a:off x="264692" y="5789935"/>
             <a:ext cx="678582" cy="369332"/>
           </a:xfrm>
           <a:prstGeom prst="rect">
@@ -1876,7 +1856,7 @@
                 <a:latin typeface="BIZ UDPゴシック" panose="020B0400000000000000" pitchFamily="50" charset="-128"/>
                 <a:ea typeface="BIZ UDPゴシック" panose="020B0400000000000000" pitchFamily="50" charset="-128"/>
               </a:rPr>
-              <a:t>1:</a:t>
+              <a:t>5:</a:t>
             </a:r>
             <a:endParaRPr kumimoji="1" lang="es-ES" altLang="ja-JP" sz="1800" b="1" dirty="0">
               <a:solidFill>
@@ -1890,275 +1870,90 @@
       </p:sp>
       <p:sp>
         <p:nvSpPr>
-          <p:cNvPr id="16" name="テキスト ボックス 15">
+          <p:cNvPr id="34" name="正方形/長方形 33">
             <a:extLst>
               <a:ext uri="{FF2B5EF4-FFF2-40B4-BE49-F238E27FC236}">
-                <a16:creationId xmlns:a16="http://schemas.microsoft.com/office/drawing/2014/main" id="{305F10C3-595D-F158-2D93-9888768BA99B}"/>
+                <a16:creationId xmlns:a16="http://schemas.microsoft.com/office/drawing/2014/main" id="{F3A2AD5F-B3A6-122A-5DC6-D9B1A3CAA586}"/>
               </a:ext>
             </a:extLst>
           </p:cNvPr>
-          <p:cNvSpPr txBox="1"/>
+          <p:cNvSpPr>
+            <a:spLocks/>
+          </p:cNvSpPr>
           <p:nvPr userDrawn="1"/>
         </p:nvSpPr>
         <p:spPr>
           <a:xfrm>
-            <a:off x="264692" y="2875281"/>
-            <a:ext cx="678582" cy="369332"/>
+            <a:off x="943273" y="5516143"/>
+            <a:ext cx="6246261" cy="914399"/>
           </a:xfrm>
           <a:prstGeom prst="rect">
             <a:avLst/>
           </a:prstGeom>
-          <a:noFill/>
         </p:spPr>
+        <p:style>
+          <a:lnRef idx="2">
+            <a:schemeClr val="accent5"/>
+          </a:lnRef>
+          <a:fillRef idx="1">
+            <a:schemeClr val="lt1"/>
+          </a:fillRef>
+          <a:effectRef idx="0">
+            <a:schemeClr val="accent5"/>
+          </a:effectRef>
+          <a:fontRef idx="minor">
+            <a:schemeClr val="dk1"/>
+          </a:fontRef>
+        </p:style>
         <p:txBody>
-          <a:bodyPr wrap="square">
-            <a:spAutoFit/>
-          </a:bodyPr>
+          <a:bodyPr rtlCol="0" anchor="ctr"/>
           <a:lstStyle/>
           <a:p>
             <a:pPr algn="l"/>
             <a:r>
-              <a:rPr kumimoji="1" lang="ja-JP" altLang="en-US" sz="1800" b="1" dirty="0">
-                <a:solidFill>
-                  <a:srgbClr val="0070C0"/>
-                </a:solidFill>
-                <a:latin typeface="BIZ UDPゴシック" panose="020B0400000000000000" pitchFamily="50" charset="-128"/>
-                <a:ea typeface="BIZ UDPゴシック" panose="020B0400000000000000" pitchFamily="50" charset="-128"/>
-              </a:rPr>
-              <a:t>問</a:t>
-            </a:r>
-            <a:r>
-              <a:rPr kumimoji="1" lang="en-US" altLang="ja-JP" sz="1800" b="1" dirty="0">
-                <a:solidFill>
-                  <a:srgbClr val="0070C0"/>
-                </a:solidFill>
-                <a:latin typeface="BIZ UDPゴシック" panose="020B0400000000000000" pitchFamily="50" charset="-128"/>
-                <a:ea typeface="BIZ UDPゴシック" panose="020B0400000000000000" pitchFamily="50" charset="-128"/>
-              </a:rPr>
-              <a:t>2:</a:t>
-            </a:r>
-            <a:endParaRPr kumimoji="1" lang="es-ES" altLang="ja-JP" sz="1800" b="1" dirty="0">
-              <a:solidFill>
-                <a:srgbClr val="0070C0"/>
-              </a:solidFill>
-              <a:latin typeface="BIZ UDPゴシック" panose="020B0400000000000000" pitchFamily="50" charset="-128"/>
-              <a:ea typeface="BIZ UDPゴシック" panose="020B0400000000000000" pitchFamily="50" charset="-128"/>
-            </a:endParaRPr>
-          </a:p>
-        </p:txBody>
-      </p:sp>
-      <p:sp>
-        <p:nvSpPr>
-          <p:cNvPr id="27" name="テキスト ボックス 26">
-            <a:extLst>
-              <a:ext uri="{FF2B5EF4-FFF2-40B4-BE49-F238E27FC236}">
-                <a16:creationId xmlns:a16="http://schemas.microsoft.com/office/drawing/2014/main" id="{6CB603A9-757F-1C44-C79E-947D784CA9E3}"/>
-              </a:ext>
-            </a:extLst>
-          </p:cNvPr>
-          <p:cNvSpPr txBox="1"/>
-          <p:nvPr userDrawn="1"/>
-        </p:nvSpPr>
-        <p:spPr>
-          <a:xfrm>
-            <a:off x="264692" y="3876307"/>
-            <a:ext cx="678582" cy="369332"/>
-          </a:xfrm>
-          <a:prstGeom prst="rect">
-            <a:avLst/>
-          </a:prstGeom>
-          <a:noFill/>
-        </p:spPr>
-        <p:txBody>
-          <a:bodyPr wrap="square">
-            <a:spAutoFit/>
-          </a:bodyPr>
-          <a:lstStyle/>
-          <a:p>
-            <a:pPr algn="l"/>
-            <a:r>
-              <a:rPr kumimoji="1" lang="ja-JP" altLang="en-US" sz="1800" b="1" dirty="0">
-                <a:solidFill>
-                  <a:srgbClr val="0070C0"/>
-                </a:solidFill>
-                <a:latin typeface="BIZ UDPゴシック" panose="020B0400000000000000" pitchFamily="50" charset="-128"/>
-                <a:ea typeface="BIZ UDPゴシック" panose="020B0400000000000000" pitchFamily="50" charset="-128"/>
-              </a:rPr>
-              <a:t>問</a:t>
-            </a:r>
-            <a:r>
-              <a:rPr kumimoji="1" lang="en-US" altLang="ja-JP" sz="1800" b="1" dirty="0">
-                <a:solidFill>
-                  <a:srgbClr val="0070C0"/>
-                </a:solidFill>
-                <a:latin typeface="BIZ UDPゴシック" panose="020B0400000000000000" pitchFamily="50" charset="-128"/>
-                <a:ea typeface="BIZ UDPゴシック" panose="020B0400000000000000" pitchFamily="50" charset="-128"/>
-              </a:rPr>
-              <a:t>3:</a:t>
-            </a:r>
-            <a:endParaRPr kumimoji="1" lang="es-ES" altLang="ja-JP" sz="1800" b="1" dirty="0">
-              <a:solidFill>
-                <a:srgbClr val="0070C0"/>
-              </a:solidFill>
-              <a:latin typeface="BIZ UDPゴシック" panose="020B0400000000000000" pitchFamily="50" charset="-128"/>
-              <a:ea typeface="BIZ UDPゴシック" panose="020B0400000000000000" pitchFamily="50" charset="-128"/>
-            </a:endParaRPr>
-          </a:p>
-        </p:txBody>
-      </p:sp>
-      <p:sp>
-        <p:nvSpPr>
-          <p:cNvPr id="30" name="テキスト ボックス 29">
-            <a:extLst>
-              <a:ext uri="{FF2B5EF4-FFF2-40B4-BE49-F238E27FC236}">
-                <a16:creationId xmlns:a16="http://schemas.microsoft.com/office/drawing/2014/main" id="{07C2F9DE-F1E2-1C8F-0500-7ACF980648CC}"/>
-              </a:ext>
-            </a:extLst>
-          </p:cNvPr>
-          <p:cNvSpPr txBox="1"/>
-          <p:nvPr userDrawn="1"/>
-        </p:nvSpPr>
-        <p:spPr>
-          <a:xfrm>
-            <a:off x="264692" y="5305659"/>
-            <a:ext cx="678582" cy="369332"/>
-          </a:xfrm>
-          <a:prstGeom prst="rect">
-            <a:avLst/>
-          </a:prstGeom>
-          <a:noFill/>
-        </p:spPr>
-        <p:txBody>
-          <a:bodyPr wrap="square">
-            <a:spAutoFit/>
-          </a:bodyPr>
-          <a:lstStyle/>
-          <a:p>
-            <a:pPr algn="l"/>
-            <a:r>
-              <a:rPr kumimoji="1" lang="ja-JP" altLang="en-US" sz="1800" b="1" dirty="0">
-                <a:solidFill>
-                  <a:srgbClr val="0070C0"/>
-                </a:solidFill>
-                <a:latin typeface="BIZ UDPゴシック" panose="020B0400000000000000" pitchFamily="50" charset="-128"/>
-                <a:ea typeface="BIZ UDPゴシック" panose="020B0400000000000000" pitchFamily="50" charset="-128"/>
-              </a:rPr>
-              <a:t>問</a:t>
-            </a:r>
-            <a:r>
-              <a:rPr kumimoji="1" lang="en-US" altLang="ja-JP" sz="1800" b="1" dirty="0">
-                <a:solidFill>
-                  <a:srgbClr val="0070C0"/>
-                </a:solidFill>
-                <a:latin typeface="BIZ UDPゴシック" panose="020B0400000000000000" pitchFamily="50" charset="-128"/>
-                <a:ea typeface="BIZ UDPゴシック" panose="020B0400000000000000" pitchFamily="50" charset="-128"/>
-              </a:rPr>
-              <a:t>4:</a:t>
-            </a:r>
-            <a:endParaRPr kumimoji="1" lang="es-ES" altLang="ja-JP" sz="1800" b="1" dirty="0">
-              <a:solidFill>
-                <a:srgbClr val="0070C0"/>
-              </a:solidFill>
-              <a:latin typeface="BIZ UDPゴシック" panose="020B0400000000000000" pitchFamily="50" charset="-128"/>
-              <a:ea typeface="BIZ UDPゴシック" panose="020B0400000000000000" pitchFamily="50" charset="-128"/>
-            </a:endParaRPr>
-          </a:p>
-        </p:txBody>
-      </p:sp>
-      <p:sp>
-        <p:nvSpPr>
-          <p:cNvPr id="31" name="テキスト ボックス 30">
-            <a:extLst>
-              <a:ext uri="{FF2B5EF4-FFF2-40B4-BE49-F238E27FC236}">
-                <a16:creationId xmlns:a16="http://schemas.microsoft.com/office/drawing/2014/main" id="{400067A6-DEC4-EF09-DA42-60A2E10D72D9}"/>
-              </a:ext>
-            </a:extLst>
-          </p:cNvPr>
-          <p:cNvSpPr txBox="1"/>
-          <p:nvPr userDrawn="1"/>
-        </p:nvSpPr>
-        <p:spPr>
-          <a:xfrm>
-            <a:off x="5447899" y="1330427"/>
-            <a:ext cx="1049154" cy="369332"/>
-          </a:xfrm>
-          <a:prstGeom prst="rect">
-            <a:avLst/>
-          </a:prstGeom>
-          <a:noFill/>
-        </p:spPr>
-        <p:txBody>
-          <a:bodyPr wrap="square">
-            <a:spAutoFit/>
-          </a:bodyPr>
-          <a:lstStyle/>
-          <a:p>
-            <a:pPr algn="l"/>
-            <a:r>
-              <a:rPr kumimoji="1" lang="ja-JP" altLang="en-US" sz="1800" b="1" dirty="0">
-                <a:solidFill>
-                  <a:srgbClr val="0070C0"/>
-                </a:solidFill>
-                <a:latin typeface="BIZ UDPゴシック" panose="020B0400000000000000" pitchFamily="50" charset="-128"/>
-                <a:ea typeface="BIZ UDPゴシック" panose="020B0400000000000000" pitchFamily="50" charset="-128"/>
-              </a:rPr>
-              <a:t>解答欄</a:t>
-            </a:r>
-            <a:endParaRPr kumimoji="1" lang="es-ES" altLang="ja-JP" sz="1800" b="1" dirty="0">
-              <a:solidFill>
-                <a:srgbClr val="0070C0"/>
-              </a:solidFill>
-              <a:latin typeface="BIZ UDPゴシック" panose="020B0400000000000000" pitchFamily="50" charset="-128"/>
-              <a:ea typeface="BIZ UDPゴシック" panose="020B0400000000000000" pitchFamily="50" charset="-128"/>
-            </a:endParaRPr>
-          </a:p>
-        </p:txBody>
-      </p:sp>
-      <p:sp>
-        <p:nvSpPr>
-          <p:cNvPr id="32" name="テキスト ボックス 31">
-            <a:extLst>
-              <a:ext uri="{FF2B5EF4-FFF2-40B4-BE49-F238E27FC236}">
-                <a16:creationId xmlns:a16="http://schemas.microsoft.com/office/drawing/2014/main" id="{D2B944CB-D2F3-BA64-EDF6-C6D450AEDD9F}"/>
-              </a:ext>
-            </a:extLst>
-          </p:cNvPr>
-          <p:cNvSpPr txBox="1"/>
-          <p:nvPr userDrawn="1"/>
-        </p:nvSpPr>
-        <p:spPr>
-          <a:xfrm>
-            <a:off x="943274" y="1329185"/>
-            <a:ext cx="1049154" cy="369332"/>
-          </a:xfrm>
-          <a:prstGeom prst="rect">
-            <a:avLst/>
-          </a:prstGeom>
-          <a:noFill/>
-        </p:spPr>
-        <p:txBody>
-          <a:bodyPr wrap="square">
-            <a:spAutoFit/>
-          </a:bodyPr>
-          <a:lstStyle/>
-          <a:p>
-            <a:pPr algn="l"/>
-            <a:r>
-              <a:rPr kumimoji="1" lang="ja-JP" altLang="en-US" sz="1800" b="1" dirty="0">
-                <a:solidFill>
-                  <a:srgbClr val="0070C0"/>
-                </a:solidFill>
-                <a:latin typeface="BIZ UDPゴシック" panose="020B0400000000000000" pitchFamily="50" charset="-128"/>
-                <a:ea typeface="BIZ UDPゴシック" panose="020B0400000000000000" pitchFamily="50" charset="-128"/>
-              </a:rPr>
-              <a:t>問題</a:t>
-            </a:r>
-            <a:endParaRPr kumimoji="1" lang="es-ES" altLang="ja-JP" sz="1800" b="1" dirty="0">
-              <a:solidFill>
-                <a:srgbClr val="0070C0"/>
-              </a:solidFill>
-              <a:latin typeface="BIZ UDPゴシック" panose="020B0400000000000000" pitchFamily="50" charset="-128"/>
-              <a:ea typeface="BIZ UDPゴシック" panose="020B0400000000000000" pitchFamily="50" charset="-128"/>
+              <a:rPr kumimoji="1" lang="ja-JP" altLang="en-US" sz="1200" dirty="0">
+                <a:latin typeface="Consolas" panose="020B0609020204030204" pitchFamily="49" charset="0"/>
+              </a:rPr>
+              <a:t>任意バイト数のバイナリデータをフラッシュ</a:t>
+            </a:r>
+            <a:r>
+              <a:rPr kumimoji="1" lang="en-US" altLang="ja-JP" sz="1200" dirty="0">
+                <a:latin typeface="Consolas" panose="020B0609020204030204" pitchFamily="49" charset="0"/>
+              </a:rPr>
+              <a:t>ROM</a:t>
+            </a:r>
+            <a:r>
+              <a:rPr kumimoji="1" lang="ja-JP" altLang="en-US" sz="1200" dirty="0">
+                <a:latin typeface="Consolas" panose="020B0609020204030204" pitchFamily="49" charset="0"/>
+              </a:rPr>
+              <a:t>に保存する関数。データは同じタスク</a:t>
+            </a:r>
+            <a:r>
+              <a:rPr kumimoji="1" lang="en-US" altLang="ja-JP" sz="1200" dirty="0">
+                <a:latin typeface="Consolas" panose="020B0609020204030204" pitchFamily="49" charset="0"/>
+              </a:rPr>
+              <a:t>(</a:t>
+            </a:r>
+            <a:r>
+              <a:rPr kumimoji="1" lang="ja-JP" altLang="en-US" sz="1200" dirty="0">
+                <a:latin typeface="Consolas" panose="020B0609020204030204" pitchFamily="49" charset="0"/>
+              </a:rPr>
+              <a:t>スレッド</a:t>
+            </a:r>
+            <a:r>
+              <a:rPr kumimoji="1" lang="en-US" altLang="ja-JP" sz="1200" dirty="0">
+                <a:latin typeface="Consolas" panose="020B0609020204030204" pitchFamily="49" charset="0"/>
+              </a:rPr>
+              <a:t>)</a:t>
+            </a:r>
+            <a:r>
+              <a:rPr kumimoji="1" lang="ja-JP" altLang="en-US" sz="1200" dirty="0">
+                <a:latin typeface="Consolas" panose="020B0609020204030204" pitchFamily="49" charset="0"/>
+              </a:rPr>
+              <a:t>上でフラッシュに書かれるため、データのサイズによって所要時間は変化します。</a:t>
+            </a:r>
+            <a:endParaRPr kumimoji="1" lang="en-US" altLang="ja-JP" sz="1200" dirty="0">
+              <a:latin typeface="Consolas" panose="020B0609020204030204" pitchFamily="49" charset="0"/>
             </a:endParaRPr>
           </a:p>
         </p:txBody>
@@ -5864,7 +5659,7 @@
             </a:extLst>
           </p:cNvPr>
           <p:cNvSpPr>
-            <a:spLocks/>
+            <a:spLocks noGrp="1" noRot="1" noMove="1" noResize="1" noEditPoints="1" noAdjustHandles="1" noChangeArrowheads="1" noChangeShapeType="1"/>
           </p:cNvSpPr>
           <p:nvPr/>
         </p:nvSpPr>
@@ -5912,7 +5707,7 @@
             </a:extLst>
           </p:cNvPr>
           <p:cNvSpPr>
-            <a:spLocks/>
+            <a:spLocks noGrp="1" noRot="1" noMove="1" noResize="1" noEditPoints="1" noAdjustHandles="1" noChangeArrowheads="1" noChangeShapeType="1"/>
           </p:cNvSpPr>
           <p:nvPr/>
         </p:nvSpPr>
@@ -5960,7 +5755,7 @@
             </a:extLst>
           </p:cNvPr>
           <p:cNvSpPr>
-            <a:spLocks/>
+            <a:spLocks noGrp="1" noRot="1" noMove="1" noResize="1" noEditPoints="1" noAdjustHandles="1" noChangeArrowheads="1" noChangeShapeType="1"/>
           </p:cNvSpPr>
           <p:nvPr/>
         </p:nvSpPr>
@@ -6008,14 +5803,14 @@
             </a:extLst>
           </p:cNvPr>
           <p:cNvSpPr>
-            <a:spLocks/>
+            <a:spLocks noGrp="1" noRot="1" noMove="1" noResize="1" noEditPoints="1" noAdjustHandles="1" noChangeArrowheads="1" noChangeShapeType="1"/>
           </p:cNvSpPr>
           <p:nvPr/>
         </p:nvSpPr>
         <p:spPr>
           <a:xfrm>
             <a:off x="7189533" y="4604801"/>
-            <a:ext cx="4504626" cy="1771049"/>
+            <a:ext cx="4504626" cy="914399"/>
           </a:xfrm>
           <a:prstGeom prst="rect">
             <a:avLst/>
@@ -6245,7 +6040,7 @@
         </p:nvSpPr>
         <p:spPr>
           <a:xfrm>
-            <a:off x="264692" y="5305659"/>
+            <a:off x="264692" y="4867163"/>
             <a:ext cx="678582" cy="369332"/>
           </a:xfrm>
           <a:prstGeom prst="rect">
@@ -6299,12 +6094,14 @@
               </a:ext>
             </a:extLst>
           </p:cNvPr>
-          <p:cNvSpPr txBox="1"/>
+          <p:cNvSpPr txBox="1">
+            <a:spLocks noGrp="1" noRot="1" noMove="1" noResize="1" noEditPoints="1" noAdjustHandles="1" noChangeArrowheads="1" noChangeShapeType="1"/>
+          </p:cNvSpPr>
           <p:nvPr/>
         </p:nvSpPr>
         <p:spPr>
           <a:xfrm>
-            <a:off x="5447899" y="1330427"/>
+            <a:off x="7189533" y="1330427"/>
             <a:ext cx="1049154" cy="369332"/>
           </a:xfrm>
           <a:prstGeom prst="rect">
@@ -6400,7 +6197,7 @@
             </a:extLst>
           </p:cNvPr>
           <p:cNvSpPr>
-            <a:spLocks/>
+            <a:spLocks noGrp="1" noRot="1" noMove="1" noResize="1" noEditPoints="1" noAdjustHandles="1" noChangeArrowheads="1" noChangeShapeType="1"/>
           </p:cNvSpPr>
           <p:nvPr/>
         </p:nvSpPr>
@@ -6466,7 +6263,7 @@
             </a:extLst>
           </p:cNvPr>
           <p:cNvSpPr>
-            <a:spLocks/>
+            <a:spLocks noGrp="1" noRot="1" noMove="1" noResize="1" noEditPoints="1" noAdjustHandles="1" noChangeArrowheads="1" noChangeShapeType="1"/>
           </p:cNvSpPr>
           <p:nvPr/>
         </p:nvSpPr>
@@ -6502,19 +6299,19 @@
               <a:rPr kumimoji="1" lang="ja-JP" altLang="en-US" sz="1200" dirty="0">
                 <a:latin typeface="Consolas" panose="020B0609020204030204" pitchFamily="49" charset="0"/>
               </a:rPr>
-              <a:t>モーターの回転</a:t>
-            </a:r>
-            <a:r>
-              <a:rPr kumimoji="1" lang="ja-JP" altLang="en-US" sz="1200">
+              <a:t>モーターの回転速度を保持するための変数の名前。この値を使ってモーターを</a:t>
+            </a:r>
+            <a:r>
+              <a:rPr kumimoji="1" lang="en-US" altLang="ja-JP" sz="1200" dirty="0">
                 <a:latin typeface="Consolas" panose="020B0609020204030204" pitchFamily="49" charset="0"/>
               </a:rPr>
-              <a:t>速度をする</a:t>
+              <a:t>PWM</a:t>
             </a:r>
             <a:r>
               <a:rPr kumimoji="1" lang="ja-JP" altLang="en-US" sz="1200" dirty="0">
                 <a:latin typeface="Consolas" panose="020B0609020204030204" pitchFamily="49" charset="0"/>
               </a:rPr>
-              <a:t>ための変数です。この変数は、モーターの現在の速度を保持し、必要に応じて速度を調整します。</a:t>
+              <a:t>制御します</a:t>
             </a:r>
             <a:endParaRPr kumimoji="1" lang="es-ES" altLang="ja-JP" sz="1200" dirty="0">
               <a:latin typeface="Consolas" panose="020B0609020204030204" pitchFamily="49" charset="0"/>
@@ -6532,7 +6329,7 @@
             </a:extLst>
           </p:cNvPr>
           <p:cNvSpPr>
-            <a:spLocks/>
+            <a:spLocks noGrp="1" noRot="1" noMove="1" noResize="1" noEditPoints="1" noAdjustHandles="1" noChangeArrowheads="1" noChangeShapeType="1"/>
           </p:cNvSpPr>
           <p:nvPr/>
         </p:nvSpPr>
@@ -6565,179 +6362,10 @@
           <a:p>
             <a:pPr algn="l"/>
             <a:r>
-              <a:rPr kumimoji="1" lang="en-US" altLang="ja-JP" sz="1200" dirty="0">
+              <a:rPr kumimoji="1" lang="ja-JP" altLang="en-US" sz="1200" dirty="0">
                 <a:latin typeface="Consolas" panose="020B0609020204030204" pitchFamily="49" charset="0"/>
               </a:rPr>
-              <a:t>void </a:t>
-            </a:r>
-            <a:r>
-              <a:rPr kumimoji="1" lang="en-US" altLang="ja-JP" sz="1200" dirty="0" err="1">
-                <a:latin typeface="Consolas" panose="020B0609020204030204" pitchFamily="49" charset="0"/>
-              </a:rPr>
-              <a:t>streamedDataParsing</a:t>
-            </a:r>
-            <a:r>
-              <a:rPr kumimoji="1" lang="en-US" altLang="ja-JP" sz="1200" dirty="0">
-                <a:latin typeface="Consolas" panose="020B0609020204030204" pitchFamily="49" charset="0"/>
-              </a:rPr>
-              <a:t>() {…} </a:t>
-            </a:r>
-            <a:r>
-              <a:rPr kumimoji="1" lang="en-US" altLang="ja-JP" sz="1200" dirty="0">
-                <a:solidFill>
-                  <a:schemeClr val="accent6">
-                    <a:lumMod val="75000"/>
-                  </a:schemeClr>
-                </a:solidFill>
-                <a:latin typeface="Consolas" panose="020B0609020204030204" pitchFamily="49" charset="0"/>
-              </a:rPr>
-              <a:t>// </a:t>
-            </a:r>
-            <a:r>
-              <a:rPr kumimoji="1" lang="ja-JP" altLang="en-US" sz="1200" dirty="0">
-                <a:solidFill>
-                  <a:schemeClr val="accent6">
-                    <a:lumMod val="75000"/>
-                  </a:schemeClr>
-                </a:solidFill>
-                <a:latin typeface="Consolas" panose="020B0609020204030204" pitchFamily="49" charset="0"/>
-              </a:rPr>
-              <a:t>届いたデータを解析</a:t>
-            </a:r>
-            <a:endParaRPr kumimoji="1" lang="en-US" altLang="ja-JP" sz="1200" dirty="0">
-              <a:solidFill>
-                <a:schemeClr val="accent6">
-                  <a:lumMod val="75000"/>
-                </a:schemeClr>
-              </a:solidFill>
-              <a:latin typeface="Consolas" panose="020B0609020204030204" pitchFamily="49" charset="0"/>
-            </a:endParaRPr>
-          </a:p>
-          <a:p>
-            <a:pPr algn="l"/>
-            <a:r>
-              <a:rPr kumimoji="1" lang="en-US" altLang="ja-JP" sz="1200" dirty="0">
-                <a:latin typeface="Consolas" panose="020B0609020204030204" pitchFamily="49" charset="0"/>
-              </a:rPr>
-              <a:t>bool </a:t>
-            </a:r>
-            <a:r>
-              <a:rPr kumimoji="1" lang="en-US" altLang="ja-JP" sz="1200" dirty="0" err="1">
-                <a:latin typeface="Consolas" panose="020B0609020204030204" pitchFamily="49" charset="0"/>
-              </a:rPr>
-              <a:t>userInformationCheck</a:t>
-            </a:r>
-            <a:r>
-              <a:rPr kumimoji="1" lang="en-US" altLang="ja-JP" sz="1200" dirty="0">
-                <a:latin typeface="Consolas" panose="020B0609020204030204" pitchFamily="49" charset="0"/>
-              </a:rPr>
-              <a:t>() {…} </a:t>
-            </a:r>
-            <a:r>
-              <a:rPr kumimoji="1" lang="en-US" altLang="ja-JP" sz="1200" dirty="0">
-                <a:solidFill>
-                  <a:schemeClr val="accent6">
-                    <a:lumMod val="75000"/>
-                  </a:schemeClr>
-                </a:solidFill>
-                <a:latin typeface="Consolas" panose="020B0609020204030204" pitchFamily="49" charset="0"/>
-              </a:rPr>
-              <a:t>// </a:t>
-            </a:r>
-            <a:r>
-              <a:rPr kumimoji="1" lang="ja-JP" altLang="en-US" sz="1200" dirty="0">
-                <a:solidFill>
-                  <a:schemeClr val="accent6">
-                    <a:lumMod val="75000"/>
-                  </a:schemeClr>
-                </a:solidFill>
-                <a:latin typeface="Consolas" panose="020B0609020204030204" pitchFamily="49" charset="0"/>
-              </a:rPr>
-              <a:t>妥当性を調べる</a:t>
-            </a:r>
-            <a:endParaRPr kumimoji="1" lang="en-US" altLang="ja-JP" sz="1200" dirty="0">
-              <a:solidFill>
-                <a:schemeClr val="accent6">
-                  <a:lumMod val="75000"/>
-                </a:schemeClr>
-              </a:solidFill>
-              <a:latin typeface="Consolas" panose="020B0609020204030204" pitchFamily="49" charset="0"/>
-            </a:endParaRPr>
-          </a:p>
-          <a:p>
-            <a:pPr algn="l"/>
-            <a:r>
-              <a:rPr kumimoji="1" lang="en-US" altLang="ja-JP" sz="1200" dirty="0">
-                <a:latin typeface="Consolas" panose="020B0609020204030204" pitchFamily="49" charset="0"/>
-              </a:rPr>
-              <a:t>void </a:t>
-            </a:r>
-            <a:r>
-              <a:rPr kumimoji="1" lang="en-US" altLang="ja-JP" sz="1200" dirty="0" err="1">
-                <a:latin typeface="Consolas" panose="020B0609020204030204" pitchFamily="49" charset="0"/>
-              </a:rPr>
-              <a:t>showEffectIfIsLoading</a:t>
-            </a:r>
-            <a:r>
-              <a:rPr kumimoji="1" lang="en-US" altLang="ja-JP" sz="1200" dirty="0">
-                <a:latin typeface="Consolas" panose="020B0609020204030204" pitchFamily="49" charset="0"/>
-              </a:rPr>
-              <a:t>(bool </a:t>
-            </a:r>
-            <a:r>
-              <a:rPr kumimoji="1" lang="en-US" altLang="ja-JP" sz="1200" dirty="0" err="1">
-                <a:latin typeface="Consolas" panose="020B0609020204030204" pitchFamily="49" charset="0"/>
-              </a:rPr>
-              <a:t>isLoading</a:t>
-            </a:r>
-            <a:r>
-              <a:rPr kumimoji="1" lang="en-US" altLang="ja-JP" sz="1200" dirty="0">
-                <a:latin typeface="Consolas" panose="020B0609020204030204" pitchFamily="49" charset="0"/>
-              </a:rPr>
-              <a:t>) {…}</a:t>
-            </a:r>
-          </a:p>
-          <a:p>
-            <a:pPr algn="l"/>
-            <a:r>
-              <a:rPr kumimoji="1" lang="en-US" altLang="ja-JP" sz="1200" dirty="0">
-                <a:latin typeface="Consolas" panose="020B0609020204030204" pitchFamily="49" charset="0"/>
-              </a:rPr>
-              <a:t>void </a:t>
-            </a:r>
-            <a:r>
-              <a:rPr kumimoji="1" lang="en-US" altLang="ja-JP" sz="1200" dirty="0" err="1">
-                <a:latin typeface="Consolas" panose="020B0609020204030204" pitchFamily="49" charset="0"/>
-              </a:rPr>
-              <a:t>userRegist</a:t>
-            </a:r>
-            <a:r>
-              <a:rPr kumimoji="1" lang="en-US" altLang="ja-JP" sz="1200" dirty="0">
-                <a:latin typeface="Consolas" panose="020B0609020204030204" pitchFamily="49" charset="0"/>
-              </a:rPr>
-              <a:t>(User user) {…} </a:t>
-            </a:r>
-            <a:r>
-              <a:rPr kumimoji="1" lang="en-US" altLang="ja-JP" sz="1200" dirty="0">
-                <a:solidFill>
-                  <a:schemeClr val="accent6">
-                    <a:lumMod val="75000"/>
-                  </a:schemeClr>
-                </a:solidFill>
-                <a:latin typeface="Consolas" panose="020B0609020204030204" pitchFamily="49" charset="0"/>
-              </a:rPr>
-              <a:t>// </a:t>
-            </a:r>
-            <a:r>
-              <a:rPr kumimoji="1" lang="ja-JP" altLang="en-US" sz="1200" dirty="0">
-                <a:solidFill>
-                  <a:schemeClr val="accent6">
-                    <a:lumMod val="75000"/>
-                  </a:schemeClr>
-                </a:solidFill>
-                <a:latin typeface="Consolas" panose="020B0609020204030204" pitchFamily="49" charset="0"/>
-              </a:rPr>
-              <a:t>ユーザー登録する</a:t>
+              <a:t>カウントダウンしているウォッチドッグタイマーのタイマー値を初期化するための関数の名前。この関数を様々なタイミングで呼ぶことによって、システムの強制リセットを回避します。</a:t>
             </a:r>
             <a:endParaRPr kumimoji="1" lang="en-US" altLang="ja-JP" sz="1200" dirty="0">
               <a:solidFill>
@@ -6760,14 +6388,14 @@
             </a:extLst>
           </p:cNvPr>
           <p:cNvSpPr>
-            <a:spLocks/>
+            <a:spLocks noGrp="1" noRot="1" noMove="1" noResize="1" noEditPoints="1" noAdjustHandles="1" noChangeArrowheads="1" noChangeShapeType="1"/>
           </p:cNvSpPr>
           <p:nvPr/>
         </p:nvSpPr>
         <p:spPr>
           <a:xfrm>
             <a:off x="943273" y="4604801"/>
-            <a:ext cx="6246261" cy="1771049"/>
+            <a:ext cx="6246261" cy="914399"/>
           </a:xfrm>
           <a:prstGeom prst="rect">
             <a:avLst/>
@@ -6793,101 +6421,225 @@
           <a:p>
             <a:pPr algn="l"/>
             <a:r>
+              <a:rPr kumimoji="1" lang="ja-JP" altLang="en-US" sz="1200" dirty="0">
+                <a:latin typeface="Consolas" panose="020B0609020204030204" pitchFamily="49" charset="0"/>
+              </a:rPr>
+              <a:t>フラッシュ</a:t>
+            </a:r>
+            <a:r>
               <a:rPr kumimoji="1" lang="en-US" altLang="ja-JP" sz="1200" dirty="0">
                 <a:latin typeface="Consolas" panose="020B0609020204030204" pitchFamily="49" charset="0"/>
               </a:rPr>
-              <a:t>double </a:t>
-            </a:r>
-            <a:r>
-              <a:rPr kumimoji="1" lang="en-US" altLang="ja-JP" sz="1200" dirty="0" err="1">
+              <a:t>ROM</a:t>
+            </a:r>
+            <a:r>
+              <a:rPr kumimoji="1" lang="ja-JP" altLang="en-US" sz="1200" dirty="0">
                 <a:latin typeface="Consolas" panose="020B0609020204030204" pitchFamily="49" charset="0"/>
               </a:rPr>
-              <a:t>calc_area</a:t>
+              <a:t>に記録されている整数型のデータを読み込むための関数の名前。データは起動時にメモリ上にキャッシュされていて、値の種類に関わらず高速に読み込めます。</a:t>
+            </a:r>
+            <a:endParaRPr kumimoji="1" lang="en-US" altLang="ja-JP" sz="1200" dirty="0">
+              <a:latin typeface="Consolas" panose="020B0609020204030204" pitchFamily="49" charset="0"/>
+            </a:endParaRPr>
+          </a:p>
+        </p:txBody>
+      </p:sp>
+      <p:sp>
+        <p:nvSpPr>
+          <p:cNvPr id="2" name="正方形/長方形 1">
+            <a:extLst>
+              <a:ext uri="{FF2B5EF4-FFF2-40B4-BE49-F238E27FC236}">
+                <a16:creationId xmlns:a16="http://schemas.microsoft.com/office/drawing/2014/main" id="{25029C22-5079-57CA-15F7-602329E9138E}"/>
+              </a:ext>
+            </a:extLst>
+          </p:cNvPr>
+          <p:cNvSpPr>
+            <a:spLocks noGrp="1" noRot="1" noMove="1" noResize="1" noEditPoints="1" noAdjustHandles="1" noChangeArrowheads="1" noChangeShapeType="1"/>
+          </p:cNvSpPr>
+          <p:nvPr/>
+        </p:nvSpPr>
+        <p:spPr>
+          <a:xfrm>
+            <a:off x="7189533" y="5527573"/>
+            <a:ext cx="4504626" cy="914399"/>
+          </a:xfrm>
+          <a:prstGeom prst="rect">
+            <a:avLst/>
+          </a:prstGeom>
+        </p:spPr>
+        <p:style>
+          <a:lnRef idx="2">
+            <a:schemeClr val="accent5"/>
+          </a:lnRef>
+          <a:fillRef idx="1">
+            <a:schemeClr val="lt1"/>
+          </a:fillRef>
+          <a:effectRef idx="0">
+            <a:schemeClr val="accent5"/>
+          </a:effectRef>
+          <a:fontRef idx="minor">
+            <a:schemeClr val="dk1"/>
+          </a:fontRef>
+        </p:style>
+        <p:txBody>
+          <a:bodyPr rtlCol="0" anchor="ctr"/>
+          <a:lstStyle/>
+          <a:p>
+            <a:pPr algn="l"/>
+            <a:endParaRPr kumimoji="1" lang="en-US" altLang="ja-JP" sz="1200" dirty="0">
+              <a:latin typeface="Consolas" panose="020B0609020204030204" pitchFamily="49" charset="0"/>
+            </a:endParaRPr>
+          </a:p>
+        </p:txBody>
+      </p:sp>
+      <p:sp>
+        <p:nvSpPr>
+          <p:cNvPr id="3" name="テキスト ボックス 2">
+            <a:extLst>
+              <a:ext uri="{FF2B5EF4-FFF2-40B4-BE49-F238E27FC236}">
+                <a16:creationId xmlns:a16="http://schemas.microsoft.com/office/drawing/2014/main" id="{9C3BCD62-B59B-BBF9-0F2C-2906980FF569}"/>
+              </a:ext>
+            </a:extLst>
+          </p:cNvPr>
+          <p:cNvSpPr txBox="1">
+            <a:spLocks noGrp="1" noRot="1" noMove="1" noResize="1" noEditPoints="1" noAdjustHandles="1" noChangeArrowheads="1" noChangeShapeType="1"/>
+          </p:cNvSpPr>
+          <p:nvPr/>
+        </p:nvSpPr>
+        <p:spPr>
+          <a:xfrm>
+            <a:off x="264692" y="5789935"/>
+            <a:ext cx="678582" cy="369332"/>
+          </a:xfrm>
+          <a:prstGeom prst="rect">
+            <a:avLst/>
+          </a:prstGeom>
+          <a:noFill/>
+        </p:spPr>
+        <p:txBody>
+          <a:bodyPr wrap="square">
+            <a:spAutoFit/>
+          </a:bodyPr>
+          <a:lstStyle/>
+          <a:p>
+            <a:pPr algn="l"/>
+            <a:r>
+              <a:rPr kumimoji="1" lang="ja-JP" altLang="en-US" sz="1800" b="1" dirty="0">
+                <a:solidFill>
+                  <a:srgbClr val="0070C0"/>
+                </a:solidFill>
+                <a:latin typeface="BIZ UDPゴシック" panose="020B0400000000000000" pitchFamily="50" charset="-128"/>
+                <a:ea typeface="BIZ UDPゴシック" panose="020B0400000000000000" pitchFamily="50" charset="-128"/>
+              </a:rPr>
+              <a:t>問</a:t>
+            </a:r>
+            <a:r>
+              <a:rPr kumimoji="1" lang="en-US" altLang="ja-JP" sz="1800" b="1" dirty="0">
+                <a:solidFill>
+                  <a:srgbClr val="0070C0"/>
+                </a:solidFill>
+                <a:latin typeface="BIZ UDPゴシック" panose="020B0400000000000000" pitchFamily="50" charset="-128"/>
+                <a:ea typeface="BIZ UDPゴシック" panose="020B0400000000000000" pitchFamily="50" charset="-128"/>
+              </a:rPr>
+              <a:t>5:</a:t>
+            </a:r>
+            <a:endParaRPr kumimoji="1" lang="es-ES" altLang="ja-JP" sz="1800" b="1" dirty="0">
+              <a:solidFill>
+                <a:srgbClr val="0070C0"/>
+              </a:solidFill>
+              <a:latin typeface="BIZ UDPゴシック" panose="020B0400000000000000" pitchFamily="50" charset="-128"/>
+              <a:ea typeface="BIZ UDPゴシック" panose="020B0400000000000000" pitchFamily="50" charset="-128"/>
+            </a:endParaRPr>
+          </a:p>
+        </p:txBody>
+      </p:sp>
+      <p:sp>
+        <p:nvSpPr>
+          <p:cNvPr id="5" name="正方形/長方形 4">
+            <a:extLst>
+              <a:ext uri="{FF2B5EF4-FFF2-40B4-BE49-F238E27FC236}">
+                <a16:creationId xmlns:a16="http://schemas.microsoft.com/office/drawing/2014/main" id="{519A7940-552A-FB9F-A99D-9E06C810EB5E}"/>
+              </a:ext>
+            </a:extLst>
+          </p:cNvPr>
+          <p:cNvSpPr>
+            <a:spLocks noGrp="1" noRot="1" noMove="1" noResize="1" noEditPoints="1" noAdjustHandles="1" noChangeArrowheads="1" noChangeShapeType="1"/>
+          </p:cNvSpPr>
+          <p:nvPr/>
+        </p:nvSpPr>
+        <p:spPr>
+          <a:xfrm>
+            <a:off x="943273" y="5527573"/>
+            <a:ext cx="6246261" cy="914399"/>
+          </a:xfrm>
+          <a:prstGeom prst="rect">
+            <a:avLst/>
+          </a:prstGeom>
+        </p:spPr>
+        <p:style>
+          <a:lnRef idx="2">
+            <a:schemeClr val="accent5"/>
+          </a:lnRef>
+          <a:fillRef idx="1">
+            <a:schemeClr val="lt1"/>
+          </a:fillRef>
+          <a:effectRef idx="0">
+            <a:schemeClr val="accent5"/>
+          </a:effectRef>
+          <a:fontRef idx="minor">
+            <a:schemeClr val="dk1"/>
+          </a:fontRef>
+        </p:style>
+        <p:txBody>
+          <a:bodyPr rtlCol="0" anchor="ctr"/>
+          <a:lstStyle/>
+          <a:p>
+            <a:pPr algn="l"/>
+            <a:r>
+              <a:rPr kumimoji="1" lang="ja-JP" altLang="en-US" sz="1200" dirty="0">
+                <a:latin typeface="Consolas" panose="020B0609020204030204" pitchFamily="49" charset="0"/>
+              </a:rPr>
+              <a:t>任意バイト数のバイナリデータをフラッシュ</a:t>
             </a:r>
             <a:r>
               <a:rPr kumimoji="1" lang="en-US" altLang="ja-JP" sz="1200" dirty="0">
                 <a:latin typeface="Consolas" panose="020B0609020204030204" pitchFamily="49" charset="0"/>
               </a:rPr>
-              <a:t>(double r) {</a:t>
-            </a:r>
-          </a:p>
-          <a:p>
-            <a:pPr algn="l"/>
+              <a:t>ROM</a:t>
+            </a:r>
+            <a:r>
+              <a:rPr kumimoji="1" lang="ja-JP" altLang="en-US" sz="1200" dirty="0">
+                <a:latin typeface="Consolas" panose="020B0609020204030204" pitchFamily="49" charset="0"/>
+              </a:rPr>
+              <a:t>に保存する関数。データは同じタスク</a:t>
+            </a:r>
             <a:r>
               <a:rPr kumimoji="1" lang="en-US" altLang="ja-JP" sz="1200" dirty="0">
                 <a:latin typeface="Consolas" panose="020B0609020204030204" pitchFamily="49" charset="0"/>
               </a:rPr>
-              <a:t>    const double pi = 3.14;</a:t>
-            </a:r>
-          </a:p>
-          <a:p>
-            <a:pPr algn="l"/>
+              <a:t>(</a:t>
+            </a:r>
+            <a:r>
+              <a:rPr kumimoji="1" lang="ja-JP" altLang="en-US" sz="1200" dirty="0">
+                <a:latin typeface="Consolas" panose="020B0609020204030204" pitchFamily="49" charset="0"/>
+              </a:rPr>
+              <a:t>スレッド</a:t>
+            </a:r>
             <a:r>
               <a:rPr kumimoji="1" lang="en-US" altLang="ja-JP" sz="1200" dirty="0">
                 <a:latin typeface="Consolas" panose="020B0609020204030204" pitchFamily="49" charset="0"/>
               </a:rPr>
-              <a:t>    auto a = pi * r * r;</a:t>
-            </a:r>
-          </a:p>
-          <a:p>
-            <a:pPr algn="l"/>
-            <a:r>
-              <a:rPr kumimoji="1" lang="en-US" altLang="ja-JP" sz="1200" dirty="0">
+              <a:t>)</a:t>
+            </a:r>
+            <a:r>
+              <a:rPr kumimoji="1" lang="ja-JP" altLang="en-US" sz="1200" dirty="0">
                 <a:latin typeface="Consolas" panose="020B0609020204030204" pitchFamily="49" charset="0"/>
               </a:rPr>
-              <a:t>    return a;</a:t>
-            </a:r>
-          </a:p>
-          <a:p>
-            <a:pPr algn="l"/>
-            <a:r>
-              <a:rPr kumimoji="1" lang="en-US" altLang="ja-JP" sz="1200" dirty="0">
-                <a:latin typeface="Consolas" panose="020B0609020204030204" pitchFamily="49" charset="0"/>
-              </a:rPr>
-              <a:t>}</a:t>
-            </a:r>
-          </a:p>
-          <a:p>
-            <a:pPr algn="l"/>
-            <a:r>
-              <a:rPr kumimoji="1" lang="en-US" altLang="ja-JP" sz="1200" dirty="0">
-                <a:latin typeface="Consolas" panose="020B0609020204030204" pitchFamily="49" charset="0"/>
-              </a:rPr>
-              <a:t>x = 7;</a:t>
-            </a:r>
-          </a:p>
-          <a:p>
-            <a:pPr algn="l"/>
-            <a:r>
-              <a:rPr kumimoji="1" lang="en-US" altLang="ja-JP" sz="1200" dirty="0">
-                <a:latin typeface="Consolas" panose="020B0609020204030204" pitchFamily="49" charset="0"/>
-              </a:rPr>
-              <a:t>auto </a:t>
-            </a:r>
-            <a:r>
-              <a:rPr kumimoji="1" lang="en-US" altLang="ja-JP" sz="1200" dirty="0" err="1">
-                <a:latin typeface="Consolas" panose="020B0609020204030204" pitchFamily="49" charset="0"/>
-              </a:rPr>
-              <a:t>area_circle</a:t>
-            </a:r>
-            <a:r>
-              <a:rPr kumimoji="1" lang="en-US" altLang="ja-JP" sz="1200" dirty="0">
-                <a:latin typeface="Consolas" panose="020B0609020204030204" pitchFamily="49" charset="0"/>
-              </a:rPr>
-              <a:t> = </a:t>
-            </a:r>
-            <a:r>
-              <a:rPr kumimoji="1" lang="en-US" altLang="ja-JP" sz="1200" dirty="0" err="1">
-                <a:latin typeface="Consolas" panose="020B0609020204030204" pitchFamily="49" charset="0"/>
-              </a:rPr>
-              <a:t>calc_area</a:t>
-            </a:r>
-            <a:r>
-              <a:rPr kumimoji="1" lang="en-US" altLang="ja-JP" sz="1200" dirty="0">
-                <a:latin typeface="Consolas" panose="020B0609020204030204" pitchFamily="49" charset="0"/>
-              </a:rPr>
-              <a:t>(x);</a:t>
-            </a:r>
+              <a:t>上でフラッシュに書かれるため、データのサイズによって所要時間は変化します。</a:t>
+            </a:r>
+            <a:endParaRPr kumimoji="1" lang="en-US" altLang="ja-JP" sz="1200" dirty="0">
+              <a:latin typeface="Consolas" panose="020B0609020204030204" pitchFamily="49" charset="0"/>
+            </a:endParaRPr>
           </a:p>
         </p:txBody>
       </p:sp>

--- a/02-practical/exercises/14-naming-3_4.pptx
+++ b/02-practical/exercises/14-naming-3_4.pptx
@@ -212,7 +212,7 @@
           <a:p>
             <a:fld id="{B0A543F7-97BF-4C7A-9589-6C19D8A0DBC7}" type="datetimeFigureOut">
               <a:rPr kumimoji="1" lang="ja-JP" altLang="en-US" smtClean="0"/>
-              <a:t>2024/10/13</a:t>
+              <a:t>2024/10/14</a:t>
             </a:fld>
             <a:endParaRPr kumimoji="1" lang="ja-JP" altLang="en-US"/>
           </a:p>
@@ -347,7 +347,7 @@
           <a:p>
             <a:fld id="{EA92AA29-409C-4083-BDC1-99425471DC1E}" type="datetimeFigureOut">
               <a:rPr kumimoji="1" lang="ja-JP" altLang="en-US" smtClean="0"/>
-              <a:t>2024/10/13</a:t>
+              <a:t>2024/10/14</a:t>
             </a:fld>
             <a:endParaRPr kumimoji="1" lang="ja-JP" altLang="en-US"/>
           </a:p>
@@ -1555,6 +1555,12 @@
                 <a:latin typeface="Consolas" panose="020B0609020204030204" pitchFamily="49" charset="0"/>
               </a:rPr>
               <a:t>(rpm)</a:t>
+            </a:r>
+            <a:r>
+              <a:rPr kumimoji="1" lang="ja-JP" altLang="en-US" sz="1200" dirty="0">
+                <a:latin typeface="Consolas" panose="020B0609020204030204" pitchFamily="49" charset="0"/>
+              </a:rPr>
+              <a:t>です。</a:t>
             </a:r>
             <a:endParaRPr kumimoji="1" lang="es-ES" altLang="ja-JP" sz="1200" dirty="0">
               <a:latin typeface="Consolas" panose="020B0609020204030204" pitchFamily="49" charset="0"/>
@@ -5147,7 +5153,7 @@
           <a:p>
             <a:fld id="{EA92AA29-409C-4083-BDC1-99425471DC1E}" type="datetimeFigureOut">
               <a:rPr kumimoji="1" lang="ja-JP" altLang="en-US" smtClean="0"/>
-              <a:t>2024/10/13</a:t>
+              <a:t>2024/10/14</a:t>
             </a:fld>
             <a:endParaRPr kumimoji="1" lang="ja-JP" altLang="en-US"/>
           </a:p>
@@ -6311,7 +6317,19 @@
               <a:rPr kumimoji="1" lang="ja-JP" altLang="en-US" sz="1200" dirty="0">
                 <a:latin typeface="Consolas" panose="020B0609020204030204" pitchFamily="49" charset="0"/>
               </a:rPr>
-              <a:t>制御します</a:t>
+              <a:t>制御します。単位は１分間に回転する数</a:t>
+            </a:r>
+            <a:r>
+              <a:rPr kumimoji="1" lang="en-US" altLang="ja-JP" sz="1200" dirty="0">
+                <a:latin typeface="Consolas" panose="020B0609020204030204" pitchFamily="49" charset="0"/>
+              </a:rPr>
+              <a:t>(rpm)</a:t>
+            </a:r>
+            <a:r>
+              <a:rPr kumimoji="1" lang="ja-JP" altLang="en-US" sz="1200" dirty="0">
+                <a:latin typeface="Consolas" panose="020B0609020204030204" pitchFamily="49" charset="0"/>
+              </a:rPr>
+              <a:t>です。</a:t>
             </a:r>
             <a:endParaRPr kumimoji="1" lang="es-ES" altLang="ja-JP" sz="1200" dirty="0">
               <a:latin typeface="Consolas" panose="020B0609020204030204" pitchFamily="49" charset="0"/>

--- a/02-practical/exercises/14-naming-3_4.pptx
+++ b/02-practical/exercises/14-naming-3_4.pptx
@@ -212,7 +212,7 @@
           <a:p>
             <a:fld id="{B0A543F7-97BF-4C7A-9589-6C19D8A0DBC7}" type="datetimeFigureOut">
               <a:rPr kumimoji="1" lang="ja-JP" altLang="en-US" smtClean="0"/>
-              <a:t>2024/10/14</a:t>
+              <a:t>2024/10/15</a:t>
             </a:fld>
             <a:endParaRPr kumimoji="1" lang="ja-JP" altLang="en-US"/>
           </a:p>
@@ -347,7 +347,7 @@
           <a:p>
             <a:fld id="{EA92AA29-409C-4083-BDC1-99425471DC1E}" type="datetimeFigureOut">
               <a:rPr kumimoji="1" lang="ja-JP" altLang="en-US" smtClean="0"/>
-              <a:t>2024/10/14</a:t>
+              <a:t>2024/10/15</a:t>
             </a:fld>
             <a:endParaRPr kumimoji="1" lang="ja-JP" altLang="en-US"/>
           </a:p>
@@ -5153,7 +5153,7 @@
           <a:p>
             <a:fld id="{EA92AA29-409C-4083-BDC1-99425471DC1E}" type="datetimeFigureOut">
               <a:rPr kumimoji="1" lang="ja-JP" altLang="en-US" smtClean="0"/>
-              <a:t>2024/10/14</a:t>
+              <a:t>2024/10/15</a:t>
             </a:fld>
             <a:endParaRPr kumimoji="1" lang="ja-JP" altLang="en-US"/>
           </a:p>
@@ -6239,7 +6239,19 @@
               <a:rPr kumimoji="1" lang="ja-JP" altLang="en-US" sz="1200" dirty="0">
                 <a:latin typeface="Consolas" panose="020B0609020204030204" pitchFamily="49" charset="0"/>
               </a:rPr>
-              <a:t>温度センサーからのデータを読み取り、その結果を返す関数の名前。温度センサーからのデータ取得には読み出し命令を送ってから結果が得られるまでに</a:t>
+              <a:t>温度センサーからのデータを読み取り、その結果を返す関数の名前。温度センサーからのデータ取得</a:t>
+            </a:r>
+            <a:r>
+              <a:rPr kumimoji="1" lang="ja-JP" altLang="en-US" sz="1200">
+                <a:latin typeface="Consolas" panose="020B0609020204030204" pitchFamily="49" charset="0"/>
+              </a:rPr>
+              <a:t>には、読み出し</a:t>
+            </a:r>
+            <a:r>
+              <a:rPr kumimoji="1" lang="ja-JP" altLang="en-US" sz="1200" dirty="0">
+                <a:latin typeface="Consolas" panose="020B0609020204030204" pitchFamily="49" charset="0"/>
+              </a:rPr>
+              <a:t>命令を送ってから結果が得られるまでに</a:t>
             </a:r>
             <a:r>
               <a:rPr kumimoji="1" lang="en-US" altLang="ja-JP" sz="1200" dirty="0">
